--- a/Documents/הגשת פרויקט/Poster.pptx
+++ b/Documents/הגשת פרויקט/Poster.pptx
@@ -6,11 +6,10 @@
     <p:sldMasterId id="2147483650" r:id="rId2"/>
   </p:sldMasterIdLst>
   <p:notesMasterIdLst>
-    <p:notesMasterId r:id="rId5"/>
+    <p:notesMasterId r:id="rId4"/>
   </p:notesMasterIdLst>
   <p:sldIdLst>
     <p:sldId id="256" r:id="rId3"/>
-    <p:sldId id="257" r:id="rId4"/>
   </p:sldIdLst>
   <p:sldSz cx="18002250" cy="25203150"/>
   <p:notesSz cx="6858000" cy="9144000"/>
@@ -145,7 +144,6 @@
         <p14:section name="Cover Slide" id="{498AAE54-ADA7-428E-B45F-1CF249048A68}">
           <p14:sldIdLst>
             <p14:sldId id="256"/>
-            <p14:sldId id="257"/>
           </p14:sldIdLst>
         </p14:section>
       </p14:sectionLst>
@@ -811,852 +809,6 @@
     <p:extLst>
       <p:ext uri="{BB962C8B-B14F-4D97-AF65-F5344CB8AC3E}">
         <p14:creationId xmlns:p14="http://schemas.microsoft.com/office/powerpoint/2010/main" val="2773444627"/>
-      </p:ext>
-    </p:extLst>
-  </p:cSld>
-  <p:clrMapOvr>
-    <a:masterClrMapping/>
-  </p:clrMapOvr>
-</p:notes>
-</file>
-
-<file path=ppt/notesSlides/notesSlide2.xml><?xml version="1.0" encoding="utf-8"?>
-<p:notes xmlns:a="http://schemas.openxmlformats.org/drawingml/2006/main" xmlns:r="http://schemas.openxmlformats.org/officeDocument/2006/relationships" xmlns:p="http://schemas.openxmlformats.org/presentationml/2006/main">
-  <p:cSld>
-    <p:spTree>
-      <p:nvGrpSpPr>
-        <p:cNvPr id="1" name=""/>
-        <p:cNvGrpSpPr/>
-        <p:nvPr/>
-      </p:nvGrpSpPr>
-      <p:grpSpPr>
-        <a:xfrm>
-          <a:off x="0" y="0"/>
-          <a:ext cx="0" cy="0"/>
-          <a:chOff x="0" y="0"/>
-          <a:chExt cx="0" cy="0"/>
-        </a:xfrm>
-      </p:grpSpPr>
-      <p:sp>
-        <p:nvSpPr>
-          <p:cNvPr id="2" name="Slide Image Placeholder 1"/>
-          <p:cNvSpPr>
-            <a:spLocks noGrp="1" noRot="1" noChangeAspect="1"/>
-          </p:cNvSpPr>
-          <p:nvPr>
-            <p:ph type="sldImg"/>
-          </p:nvPr>
-        </p:nvSpPr>
-        <p:spPr>
-          <a:xfrm>
-            <a:off x="2205038" y="685800"/>
-            <a:ext cx="2447925" cy="3429000"/>
-          </a:xfrm>
-        </p:spPr>
-      </p:sp>
-      <p:sp>
-        <p:nvSpPr>
-          <p:cNvPr id="3" name="Notes Placeholder 2"/>
-          <p:cNvSpPr>
-            <a:spLocks noGrp="1"/>
-          </p:cNvSpPr>
-          <p:nvPr>
-            <p:ph type="body" idx="1"/>
-          </p:nvPr>
-        </p:nvSpPr>
-        <p:spPr/>
-        <p:txBody>
-          <a:bodyPr/>
-          <a:lstStyle/>
-          <a:p>
-            <a:pPr algn="r" rtl="1"/>
-            <a:r>
-              <a:rPr lang="he-IL" sz="1200" kern="1200" dirty="0" smtClean="0">
-                <a:solidFill>
-                  <a:schemeClr val="tx1"/>
-                </a:solidFill>
-                <a:latin typeface="Arial" pitchFamily="34" charset="0"/>
-              </a:rPr>
-              <a:t>מולקולת ענק שמכילה</a:t>
-            </a:r>
-            <a:r>
-              <a:rPr lang="he-IL" sz="1200" kern="1200" baseline="0" dirty="0" smtClean="0">
-                <a:solidFill>
-                  <a:schemeClr val="tx1"/>
-                </a:solidFill>
-                <a:latin typeface="Arial" pitchFamily="34" charset="0"/>
-              </a:rPr>
-              <a:t> את</a:t>
-            </a:r>
-            <a:r>
-              <a:rPr lang="he-IL" sz="1200" kern="1200" dirty="0" smtClean="0">
-                <a:solidFill>
-                  <a:schemeClr val="tx1"/>
-                </a:solidFill>
-                <a:latin typeface="Arial" pitchFamily="34" charset="0"/>
-              </a:rPr>
-              <a:t> כל המידע התורשתי לבניית החלבונים בתא אצל כל האורגניזמים הידועים, מחיידקים ועד לבני אדם.</a:t>
-            </a:r>
-          </a:p>
-          <a:p>
-            <a:pPr algn="r" rtl="1"/>
-            <a:endParaRPr lang="he-IL" sz="1200" dirty="0" smtClean="0">
-              <a:solidFill>
-                <a:schemeClr val="tx1"/>
-              </a:solidFill>
-            </a:endParaRPr>
-          </a:p>
-          <a:p>
-            <a:pPr marL="0" marR="0" indent="0" algn="r" defTabSz="914400" rtl="1" eaLnBrk="1" fontAlgn="base" latinLnBrk="0" hangingPunct="1">
-              <a:lnSpc>
-                <a:spcPct val="100000"/>
-              </a:lnSpc>
-              <a:spcBef>
-                <a:spcPct val="30000"/>
-              </a:spcBef>
-              <a:spcAft>
-                <a:spcPct val="0"/>
-              </a:spcAft>
-              <a:buClrTx/>
-              <a:buSzTx/>
-              <a:buFontTx/>
-              <a:buNone/>
-              <a:tabLst/>
-              <a:defRPr/>
-            </a:pPr>
-            <a:r>
-              <a:rPr lang="he-IL" sz="1200" dirty="0" smtClean="0">
-                <a:solidFill>
-                  <a:schemeClr val="tx1"/>
-                </a:solidFill>
-              </a:rPr>
-              <a:t>ניתן לייצג אותו כמחרוזת של הבסיסים המרכיבים אותו </a:t>
-            </a:r>
-            <a:r>
-              <a:rPr lang="en-US" sz="1200" dirty="0" smtClean="0">
-                <a:solidFill>
-                  <a:schemeClr val="tx1"/>
-                </a:solidFill>
-              </a:rPr>
-              <a:t>A</a:t>
-            </a:r>
-            <a:r>
-              <a:rPr lang="he-IL" sz="1200" dirty="0" smtClean="0">
-                <a:solidFill>
-                  <a:schemeClr val="tx1"/>
-                </a:solidFill>
-              </a:rPr>
-              <a:t>, </a:t>
-            </a:r>
-            <a:r>
-              <a:rPr lang="en-US" sz="1200" dirty="0" smtClean="0">
-                <a:solidFill>
-                  <a:schemeClr val="tx1"/>
-                </a:solidFill>
-              </a:rPr>
-              <a:t>G</a:t>
-            </a:r>
-            <a:r>
-              <a:rPr lang="he-IL" sz="1200" dirty="0" smtClean="0">
-                <a:solidFill>
-                  <a:schemeClr val="tx1"/>
-                </a:solidFill>
-              </a:rPr>
-              <a:t>, </a:t>
-            </a:r>
-            <a:r>
-              <a:rPr lang="en-US" sz="1200" dirty="0" smtClean="0">
-                <a:solidFill>
-                  <a:schemeClr val="tx1"/>
-                </a:solidFill>
-              </a:rPr>
-              <a:t>T</a:t>
-            </a:r>
-            <a:r>
-              <a:rPr lang="he-IL" sz="1200" dirty="0" smtClean="0">
-                <a:solidFill>
-                  <a:schemeClr val="tx1"/>
-                </a:solidFill>
-              </a:rPr>
-              <a:t>, </a:t>
-            </a:r>
-            <a:r>
-              <a:rPr lang="en-US" sz="1200" dirty="0" smtClean="0">
-                <a:solidFill>
-                  <a:schemeClr val="tx1"/>
-                </a:solidFill>
-              </a:rPr>
-              <a:t>C</a:t>
-            </a:r>
-            <a:r>
-              <a:rPr lang="he-IL" sz="1200" dirty="0" smtClean="0">
-                <a:solidFill>
-                  <a:schemeClr val="tx1"/>
-                </a:solidFill>
-              </a:rPr>
-              <a:t>. </a:t>
-            </a:r>
-          </a:p>
-          <a:p>
-            <a:pPr marL="0" marR="0" indent="0" algn="r" defTabSz="914400" rtl="1" eaLnBrk="1" fontAlgn="base" latinLnBrk="0" hangingPunct="1">
-              <a:lnSpc>
-                <a:spcPct val="100000"/>
-              </a:lnSpc>
-              <a:spcBef>
-                <a:spcPct val="30000"/>
-              </a:spcBef>
-              <a:spcAft>
-                <a:spcPct val="0"/>
-              </a:spcAft>
-              <a:buClrTx/>
-              <a:buSzTx/>
-              <a:buFontTx/>
-              <a:buNone/>
-              <a:tabLst/>
-              <a:defRPr/>
-            </a:pPr>
-            <a:r>
-              <a:rPr lang="he-IL" sz="1200" dirty="0" smtClean="0">
-                <a:solidFill>
-                  <a:schemeClr val="tx1"/>
-                </a:solidFill>
-              </a:rPr>
-              <a:t>סדר הגודל של מחרוזת של </a:t>
-            </a:r>
-            <a:r>
-              <a:rPr lang="en-US" sz="1200" dirty="0" smtClean="0">
-                <a:solidFill>
-                  <a:schemeClr val="tx1"/>
-                </a:solidFill>
-              </a:rPr>
-              <a:t>DNA</a:t>
-            </a:r>
-            <a:r>
-              <a:rPr lang="he-IL" sz="1200" dirty="0" smtClean="0">
-                <a:solidFill>
-                  <a:schemeClr val="tx1"/>
-                </a:solidFill>
-              </a:rPr>
-              <a:t> שלם –1.6 </a:t>
-            </a:r>
-            <a:r>
-              <a:rPr lang="en-US" sz="1200" dirty="0" smtClean="0">
-                <a:solidFill>
-                  <a:schemeClr val="tx1"/>
-                </a:solidFill>
-              </a:rPr>
-              <a:t>GB</a:t>
-            </a:r>
-            <a:r>
-              <a:rPr lang="he-IL" sz="1200" dirty="0" smtClean="0">
-                <a:solidFill>
-                  <a:schemeClr val="tx1"/>
-                </a:solidFill>
-              </a:rPr>
-              <a:t> - כ2 דיסקים </a:t>
-            </a:r>
-          </a:p>
-          <a:p>
-            <a:pPr algn="r" rtl="1"/>
-            <a:endParaRPr lang="he-IL" sz="1200" kern="1200" dirty="0" smtClean="0">
-              <a:solidFill>
-                <a:schemeClr val="tx1"/>
-              </a:solidFill>
-              <a:effectLst/>
-              <a:latin typeface="Arial" pitchFamily="34" charset="0"/>
-              <a:ea typeface="+mn-ea"/>
-              <a:cs typeface="+mn-cs"/>
-            </a:endParaRPr>
-          </a:p>
-          <a:p>
-            <a:pPr algn="r" rtl="1"/>
-            <a:r>
-              <a:rPr lang="he-IL" sz="1200" kern="1200" dirty="0" smtClean="0">
-                <a:solidFill>
-                  <a:schemeClr val="tx1"/>
-                </a:solidFill>
-                <a:effectLst/>
-                <a:latin typeface="Arial" pitchFamily="34" charset="0"/>
-                <a:ea typeface="+mn-ea"/>
-                <a:cs typeface="+mn-cs"/>
-              </a:rPr>
-              <a:t>כ99.9% מה</a:t>
-            </a:r>
-            <a:r>
-              <a:rPr lang="en-US" sz="1200" kern="1200" dirty="0" smtClean="0">
-                <a:solidFill>
-                  <a:schemeClr val="tx1"/>
-                </a:solidFill>
-                <a:effectLst/>
-                <a:latin typeface="Arial" pitchFamily="34" charset="0"/>
-                <a:ea typeface="+mn-ea"/>
-                <a:cs typeface="+mn-cs"/>
-              </a:rPr>
-              <a:t>DNA</a:t>
-            </a:r>
-            <a:r>
-              <a:rPr lang="he-IL" sz="1200" kern="1200" dirty="0" smtClean="0">
-                <a:solidFill>
-                  <a:schemeClr val="tx1"/>
-                </a:solidFill>
-                <a:effectLst/>
-                <a:latin typeface="Arial" pitchFamily="34" charset="0"/>
-                <a:ea typeface="+mn-ea"/>
-                <a:cs typeface="+mn-cs"/>
-              </a:rPr>
-              <a:t> של כל בני האדם משותף למרות אבני הבניין המועטות והפשוטות שממנו הוא מורכב.</a:t>
-            </a:r>
-          </a:p>
-          <a:p>
-            <a:pPr algn="r" rtl="1"/>
-            <a:r>
-              <a:rPr lang="he-IL" sz="1200" kern="1200" dirty="0" smtClean="0">
-                <a:solidFill>
-                  <a:schemeClr val="tx1"/>
-                </a:solidFill>
-                <a:latin typeface="Arial" pitchFamily="34" charset="0"/>
-                <a:ea typeface="+mn-ea"/>
-                <a:cs typeface="+mn-cs"/>
-              </a:rPr>
-              <a:t>ה </a:t>
-            </a:r>
-            <a:r>
-              <a:rPr lang="en-US" sz="1200" kern="1200" dirty="0" smtClean="0">
-                <a:solidFill>
-                  <a:schemeClr val="tx1"/>
-                </a:solidFill>
-                <a:latin typeface="Arial" pitchFamily="34" charset="0"/>
-                <a:ea typeface="+mn-ea"/>
-                <a:cs typeface="+mn-cs"/>
-              </a:rPr>
-              <a:t>DNA</a:t>
-            </a:r>
-            <a:r>
-              <a:rPr lang="he-IL" sz="1200" kern="1200" dirty="0" smtClean="0">
-                <a:solidFill>
-                  <a:schemeClr val="tx1"/>
-                </a:solidFill>
-                <a:latin typeface="Arial" pitchFamily="34" charset="0"/>
-                <a:ea typeface="+mn-ea"/>
-                <a:cs typeface="+mn-cs"/>
-              </a:rPr>
-              <a:t> יכול לעבור מוטציה, שינוי – אנחנו מסתמכים על זה.</a:t>
-            </a:r>
-          </a:p>
-          <a:p>
-            <a:pPr algn="r" rtl="1"/>
-            <a:endParaRPr lang="he-IL" sz="1200" kern="1200" dirty="0" smtClean="0">
-              <a:solidFill>
-                <a:schemeClr val="tx1"/>
-              </a:solidFill>
-              <a:latin typeface="Arial" pitchFamily="34" charset="0"/>
-              <a:ea typeface="+mn-ea"/>
-              <a:cs typeface="+mn-cs"/>
-            </a:endParaRPr>
-          </a:p>
-          <a:p>
-            <a:pPr algn="r" rtl="1"/>
-            <a:r>
-              <a:rPr lang="he-IL" sz="1200" kern="1200" dirty="0" smtClean="0">
-                <a:solidFill>
-                  <a:schemeClr val="tx1"/>
-                </a:solidFill>
-                <a:latin typeface="Arial" pitchFamily="34" charset="0"/>
-                <a:ea typeface="+mn-ea"/>
-                <a:cs typeface="+mn-cs"/>
-              </a:rPr>
-              <a:t> רוב המוטציות אינן מזיקות אך אם הן מופיעות במקומות מסוימים על גבי רצף ה</a:t>
-            </a:r>
-            <a:r>
-              <a:rPr lang="en-US" sz="1200" kern="1200" dirty="0" smtClean="0">
-                <a:solidFill>
-                  <a:schemeClr val="tx1"/>
-                </a:solidFill>
-                <a:latin typeface="Arial" pitchFamily="34" charset="0"/>
-                <a:ea typeface="+mn-ea"/>
-                <a:cs typeface="+mn-cs"/>
-              </a:rPr>
-              <a:t>DNA</a:t>
-            </a:r>
-            <a:r>
-              <a:rPr lang="he-IL" sz="1200" kern="1200" dirty="0" smtClean="0">
-                <a:solidFill>
-                  <a:schemeClr val="tx1"/>
-                </a:solidFill>
-                <a:latin typeface="Arial" pitchFamily="34" charset="0"/>
-                <a:ea typeface="+mn-ea"/>
-                <a:cs typeface="+mn-cs"/>
-              </a:rPr>
-              <a:t> הן יכולות לגרום לבעיות גנטיות וביניהן  לנטיה למחלות גנטיות ובפרט לסרטן. </a:t>
-            </a:r>
-            <a:endParaRPr lang="he-IL" altLang="he-IL" dirty="0" smtClean="0"/>
-          </a:p>
-          <a:p>
-            <a:pPr algn="r" rtl="1"/>
-            <a:endParaRPr lang="he-IL" sz="1200" b="1" u="sng" kern="1200" dirty="0" smtClean="0">
-              <a:solidFill>
-                <a:schemeClr val="tx1"/>
-              </a:solidFill>
-              <a:effectLst/>
-              <a:latin typeface="Arial" pitchFamily="34" charset="0"/>
-              <a:ea typeface="+mn-ea"/>
-              <a:cs typeface="+mn-cs"/>
-            </a:endParaRPr>
-          </a:p>
-          <a:p>
-            <a:pPr algn="r" rtl="1"/>
-            <a:endParaRPr lang="he-IL" sz="1200" b="1" u="sng" kern="1200" dirty="0" smtClean="0">
-              <a:solidFill>
-                <a:schemeClr val="tx1"/>
-              </a:solidFill>
-              <a:effectLst/>
-              <a:latin typeface="Arial" pitchFamily="34" charset="0"/>
-              <a:ea typeface="+mn-ea"/>
-              <a:cs typeface="+mn-cs"/>
-            </a:endParaRPr>
-          </a:p>
-          <a:p>
-            <a:pPr algn="r" rtl="1"/>
-            <a:endParaRPr lang="he-IL" sz="1200" b="1" u="sng" kern="1200" dirty="0" smtClean="0">
-              <a:solidFill>
-                <a:schemeClr val="tx1"/>
-              </a:solidFill>
-              <a:effectLst/>
-              <a:latin typeface="Arial" pitchFamily="34" charset="0"/>
-              <a:ea typeface="+mn-ea"/>
-              <a:cs typeface="+mn-cs"/>
-            </a:endParaRPr>
-          </a:p>
-          <a:p>
-            <a:pPr algn="r" rtl="1"/>
-            <a:r>
-              <a:rPr lang="en-US" sz="1200" b="1" u="sng" kern="1200" dirty="0" smtClean="0">
-                <a:solidFill>
-                  <a:schemeClr val="tx1"/>
-                </a:solidFill>
-                <a:effectLst/>
-                <a:latin typeface="Arial" pitchFamily="34" charset="0"/>
-                <a:ea typeface="+mn-ea"/>
-                <a:cs typeface="+mn-cs"/>
-              </a:rPr>
-              <a:t>DNA</a:t>
-            </a:r>
-            <a:r>
-              <a:rPr lang="he-IL" sz="1200" kern="1200" dirty="0">
-                <a:solidFill>
-                  <a:schemeClr val="tx1"/>
-                </a:solidFill>
-                <a:effectLst/>
-                <a:latin typeface="Arial" pitchFamily="34" charset="0"/>
-                <a:ea typeface="+mn-ea"/>
-                <a:cs typeface="+mn-cs"/>
-              </a:rPr>
-              <a:t>: ה</a:t>
-            </a:r>
-            <a:r>
-              <a:rPr lang="en-US" sz="1200" kern="1200" dirty="0">
-                <a:solidFill>
-                  <a:schemeClr val="tx1"/>
-                </a:solidFill>
-                <a:effectLst/>
-                <a:latin typeface="Arial" pitchFamily="34" charset="0"/>
-                <a:ea typeface="+mn-ea"/>
-                <a:cs typeface="+mn-cs"/>
-              </a:rPr>
-              <a:t>DNA</a:t>
-            </a:r>
-            <a:r>
-              <a:rPr lang="he-IL" sz="1200" kern="1200" dirty="0">
-                <a:solidFill>
-                  <a:schemeClr val="tx1"/>
-                </a:solidFill>
-                <a:effectLst/>
-                <a:latin typeface="Arial" pitchFamily="34" charset="0"/>
-                <a:ea typeface="+mn-ea"/>
-                <a:cs typeface="+mn-cs"/>
-              </a:rPr>
-              <a:t> היא מולקולת ענק שמצויה בכל אחד ואחד מתאי הגוף שלנו ובה מצוי כל המידע התורשתי לבניית החלבונים בתא אצל כל האורגניזמים הידועים, מחיידקים ועד לבני אדם.</a:t>
-            </a:r>
-            <a:endParaRPr lang="en-US" sz="1200" kern="1200" dirty="0">
-              <a:solidFill>
-                <a:schemeClr val="tx1"/>
-              </a:solidFill>
-              <a:effectLst/>
-              <a:latin typeface="Arial" pitchFamily="34" charset="0"/>
-              <a:ea typeface="+mn-ea"/>
-              <a:cs typeface="+mn-cs"/>
-            </a:endParaRPr>
-          </a:p>
-          <a:p>
-            <a:pPr algn="r" rtl="1"/>
-            <a:r>
-              <a:rPr lang="he-IL" sz="1200" kern="1200" dirty="0">
-                <a:solidFill>
-                  <a:schemeClr val="tx1"/>
-                </a:solidFill>
-                <a:effectLst/>
-                <a:latin typeface="Arial" pitchFamily="34" charset="0"/>
-                <a:ea typeface="+mn-ea"/>
-                <a:cs typeface="+mn-cs"/>
-              </a:rPr>
-              <a:t>המבנה של ה</a:t>
-            </a:r>
-            <a:r>
-              <a:rPr lang="en-US" sz="1200" kern="1200" dirty="0">
-                <a:solidFill>
-                  <a:schemeClr val="tx1"/>
-                </a:solidFill>
-                <a:effectLst/>
-                <a:latin typeface="Arial" pitchFamily="34" charset="0"/>
-                <a:ea typeface="+mn-ea"/>
-                <a:cs typeface="+mn-cs"/>
-              </a:rPr>
-              <a:t>DNA </a:t>
-            </a:r>
-            <a:r>
-              <a:rPr lang="he-IL" sz="1200" kern="1200" dirty="0">
-                <a:solidFill>
-                  <a:schemeClr val="tx1"/>
-                </a:solidFill>
-                <a:effectLst/>
-                <a:latin typeface="Arial" pitchFamily="34" charset="0"/>
-                <a:ea typeface="+mn-ea"/>
-                <a:cs typeface="+mn-cs"/>
-              </a:rPr>
-              <a:t> בנוי כמעיין "סולם" שמסתלסל סביב עצמו, כאשר ה"שלבים בסולם" מורכבים, כל אחד, מזוג בסיסים המתחברים זה לזה ומסומנים באותיות הלטיניות </a:t>
-            </a:r>
-            <a:r>
-              <a:rPr lang="en-US" sz="1200" kern="1200" dirty="0">
-                <a:solidFill>
-                  <a:schemeClr val="tx1"/>
-                </a:solidFill>
-                <a:effectLst/>
-                <a:latin typeface="Arial" pitchFamily="34" charset="0"/>
-                <a:ea typeface="+mn-ea"/>
-                <a:cs typeface="+mn-cs"/>
-              </a:rPr>
-              <a:t>A</a:t>
-            </a:r>
-            <a:r>
-              <a:rPr lang="he-IL" sz="1200" kern="1200" dirty="0">
-                <a:solidFill>
-                  <a:schemeClr val="tx1"/>
-                </a:solidFill>
-                <a:effectLst/>
-                <a:latin typeface="Arial" pitchFamily="34" charset="0"/>
-                <a:ea typeface="+mn-ea"/>
-                <a:cs typeface="+mn-cs"/>
-              </a:rPr>
-              <a:t>, </a:t>
-            </a:r>
-            <a:r>
-              <a:rPr lang="en-US" sz="1200" kern="1200" dirty="0">
-                <a:solidFill>
-                  <a:schemeClr val="tx1"/>
-                </a:solidFill>
-                <a:effectLst/>
-                <a:latin typeface="Arial" pitchFamily="34" charset="0"/>
-                <a:ea typeface="+mn-ea"/>
-                <a:cs typeface="+mn-cs"/>
-              </a:rPr>
-              <a:t>G</a:t>
-            </a:r>
-            <a:r>
-              <a:rPr lang="he-IL" sz="1200" kern="1200" dirty="0">
-                <a:solidFill>
-                  <a:schemeClr val="tx1"/>
-                </a:solidFill>
-                <a:effectLst/>
-                <a:latin typeface="Arial" pitchFamily="34" charset="0"/>
-                <a:ea typeface="+mn-ea"/>
-                <a:cs typeface="+mn-cs"/>
-              </a:rPr>
-              <a:t>, </a:t>
-            </a:r>
-            <a:r>
-              <a:rPr lang="en-US" sz="1200" kern="1200" dirty="0">
-                <a:solidFill>
-                  <a:schemeClr val="tx1"/>
-                </a:solidFill>
-                <a:effectLst/>
-                <a:latin typeface="Arial" pitchFamily="34" charset="0"/>
-                <a:ea typeface="+mn-ea"/>
-                <a:cs typeface="+mn-cs"/>
-              </a:rPr>
-              <a:t>T</a:t>
-            </a:r>
-            <a:r>
-              <a:rPr lang="he-IL" sz="1200" kern="1200" dirty="0">
-                <a:solidFill>
-                  <a:schemeClr val="tx1"/>
-                </a:solidFill>
-                <a:effectLst/>
-                <a:latin typeface="Arial" pitchFamily="34" charset="0"/>
-                <a:ea typeface="+mn-ea"/>
-                <a:cs typeface="+mn-cs"/>
-              </a:rPr>
-              <a:t>, </a:t>
-            </a:r>
-            <a:r>
-              <a:rPr lang="en-US" sz="1200" kern="1200" dirty="0">
-                <a:solidFill>
-                  <a:schemeClr val="tx1"/>
-                </a:solidFill>
-                <a:effectLst/>
-                <a:latin typeface="Arial" pitchFamily="34" charset="0"/>
-                <a:ea typeface="+mn-ea"/>
-                <a:cs typeface="+mn-cs"/>
-              </a:rPr>
-              <a:t>C</a:t>
-            </a:r>
-            <a:r>
-              <a:rPr lang="he-IL" sz="1200" kern="1200" dirty="0">
-                <a:solidFill>
-                  <a:schemeClr val="tx1"/>
-                </a:solidFill>
-                <a:effectLst/>
-                <a:latin typeface="Arial" pitchFamily="34" charset="0"/>
-                <a:ea typeface="+mn-ea"/>
-                <a:cs typeface="+mn-cs"/>
-              </a:rPr>
-              <a:t>.</a:t>
-            </a:r>
-            <a:endParaRPr lang="en-US" sz="1200" kern="1200" dirty="0">
-              <a:solidFill>
-                <a:schemeClr val="tx1"/>
-              </a:solidFill>
-              <a:effectLst/>
-              <a:latin typeface="Arial" pitchFamily="34" charset="0"/>
-              <a:ea typeface="+mn-ea"/>
-              <a:cs typeface="+mn-cs"/>
-            </a:endParaRPr>
-          </a:p>
-          <a:p>
-            <a:pPr algn="r" rtl="1"/>
-            <a:r>
-              <a:rPr lang="he-IL" sz="1200" kern="1200" dirty="0">
-                <a:solidFill>
-                  <a:schemeClr val="tx1"/>
-                </a:solidFill>
-                <a:effectLst/>
-                <a:latin typeface="Arial" pitchFamily="34" charset="0"/>
-                <a:ea typeface="+mn-ea"/>
-                <a:cs typeface="+mn-cs"/>
-              </a:rPr>
-              <a:t>בכל "שלב" מתחברים הבסיסים עם בן זוג קבוע – </a:t>
-            </a:r>
-            <a:r>
-              <a:rPr lang="en-US" sz="1200" kern="1200" dirty="0">
-                <a:solidFill>
-                  <a:schemeClr val="tx1"/>
-                </a:solidFill>
-                <a:effectLst/>
-                <a:latin typeface="Arial" pitchFamily="34" charset="0"/>
-                <a:ea typeface="+mn-ea"/>
-                <a:cs typeface="+mn-cs"/>
-              </a:rPr>
-              <a:t>A</a:t>
-            </a:r>
-            <a:r>
-              <a:rPr lang="he-IL" sz="1200" kern="1200" dirty="0">
-                <a:solidFill>
-                  <a:schemeClr val="tx1"/>
-                </a:solidFill>
-                <a:effectLst/>
-                <a:latin typeface="Arial" pitchFamily="34" charset="0"/>
-                <a:ea typeface="+mn-ea"/>
-                <a:cs typeface="+mn-cs"/>
-              </a:rPr>
-              <a:t> עם </a:t>
-            </a:r>
-            <a:r>
-              <a:rPr lang="en-US" sz="1200" kern="1200" dirty="0">
-                <a:solidFill>
-                  <a:schemeClr val="tx1"/>
-                </a:solidFill>
-                <a:effectLst/>
-                <a:latin typeface="Arial" pitchFamily="34" charset="0"/>
-                <a:ea typeface="+mn-ea"/>
-                <a:cs typeface="+mn-cs"/>
-              </a:rPr>
-              <a:t>T</a:t>
-            </a:r>
-            <a:r>
-              <a:rPr lang="he-IL" sz="1200" kern="1200" dirty="0">
-                <a:solidFill>
-                  <a:schemeClr val="tx1"/>
-                </a:solidFill>
-                <a:effectLst/>
-                <a:latin typeface="Arial" pitchFamily="34" charset="0"/>
-                <a:ea typeface="+mn-ea"/>
-                <a:cs typeface="+mn-cs"/>
-              </a:rPr>
-              <a:t> ו </a:t>
-            </a:r>
-            <a:r>
-              <a:rPr lang="en-US" sz="1200" kern="1200" dirty="0">
-                <a:solidFill>
-                  <a:schemeClr val="tx1"/>
-                </a:solidFill>
-                <a:effectLst/>
-                <a:latin typeface="Arial" pitchFamily="34" charset="0"/>
-                <a:ea typeface="+mn-ea"/>
-                <a:cs typeface="+mn-cs"/>
-              </a:rPr>
-              <a:t> C </a:t>
-            </a:r>
-            <a:r>
-              <a:rPr lang="he-IL" sz="1200" kern="1200" dirty="0">
-                <a:solidFill>
-                  <a:schemeClr val="tx1"/>
-                </a:solidFill>
-                <a:effectLst/>
-                <a:latin typeface="Arial" pitchFamily="34" charset="0"/>
-                <a:ea typeface="+mn-ea"/>
-                <a:cs typeface="+mn-cs"/>
-              </a:rPr>
-              <a:t>עם </a:t>
-            </a:r>
-            <a:r>
-              <a:rPr lang="en-US" sz="1200" kern="1200" dirty="0">
-                <a:solidFill>
-                  <a:schemeClr val="tx1"/>
-                </a:solidFill>
-                <a:effectLst/>
-                <a:latin typeface="Arial" pitchFamily="34" charset="0"/>
-                <a:ea typeface="+mn-ea"/>
-                <a:cs typeface="+mn-cs"/>
-              </a:rPr>
-              <a:t>G</a:t>
-            </a:r>
-            <a:r>
-              <a:rPr lang="he-IL" sz="1200" kern="1200" dirty="0">
-                <a:solidFill>
-                  <a:schemeClr val="tx1"/>
-                </a:solidFill>
-                <a:effectLst/>
-                <a:latin typeface="Arial" pitchFamily="34" charset="0"/>
-                <a:ea typeface="+mn-ea"/>
-                <a:cs typeface="+mn-cs"/>
-              </a:rPr>
-              <a:t>, כך שאם ידוע לנו רק צד אחד של ה"סולם" אנו יכולים לשחזר ממנו במדויק גם את הצד השני.</a:t>
-            </a:r>
-            <a:endParaRPr lang="en-US" sz="1200" kern="1200" dirty="0">
-              <a:solidFill>
-                <a:schemeClr val="tx1"/>
-              </a:solidFill>
-              <a:effectLst/>
-              <a:latin typeface="Arial" pitchFamily="34" charset="0"/>
-              <a:ea typeface="+mn-ea"/>
-              <a:cs typeface="+mn-cs"/>
-            </a:endParaRPr>
-          </a:p>
-          <a:p>
-            <a:pPr algn="r" rtl="1"/>
-            <a:r>
-              <a:rPr lang="he-IL" sz="1200" kern="1200" dirty="0" smtClean="0">
-                <a:solidFill>
-                  <a:schemeClr val="tx1"/>
-                </a:solidFill>
-                <a:effectLst/>
-                <a:latin typeface="Arial" pitchFamily="34" charset="0"/>
-                <a:ea typeface="+mn-ea"/>
-                <a:cs typeface="+mn-cs"/>
-              </a:rPr>
-              <a:t> המדהים הוא שכ99.9% מה</a:t>
-            </a:r>
-            <a:r>
-              <a:rPr lang="en-US" sz="1200" kern="1200" dirty="0" smtClean="0">
-                <a:solidFill>
-                  <a:schemeClr val="tx1"/>
-                </a:solidFill>
-                <a:effectLst/>
-                <a:latin typeface="Arial" pitchFamily="34" charset="0"/>
-                <a:ea typeface="+mn-ea"/>
-                <a:cs typeface="+mn-cs"/>
-              </a:rPr>
-              <a:t>DNA</a:t>
-            </a:r>
-            <a:r>
-              <a:rPr lang="he-IL" sz="1200" kern="1200" dirty="0" smtClean="0">
-                <a:solidFill>
-                  <a:schemeClr val="tx1"/>
-                </a:solidFill>
-                <a:effectLst/>
-                <a:latin typeface="Arial" pitchFamily="34" charset="0"/>
-                <a:ea typeface="+mn-ea"/>
-                <a:cs typeface="+mn-cs"/>
-              </a:rPr>
-              <a:t> של כל בני האדם משותף למרות אבני הבניין המועטות והפשוטות– וזוהי תכונה קרדינלית לפרויקט זה.</a:t>
-            </a:r>
-            <a:endParaRPr lang="en-US" sz="1200" kern="1200" dirty="0" smtClean="0">
-              <a:solidFill>
-                <a:schemeClr val="tx1"/>
-              </a:solidFill>
-              <a:effectLst/>
-              <a:latin typeface="Arial" pitchFamily="34" charset="0"/>
-              <a:ea typeface="+mn-ea"/>
-              <a:cs typeface="+mn-cs"/>
-            </a:endParaRPr>
-          </a:p>
-          <a:p>
-            <a:pPr algn="r" rtl="1"/>
-            <a:r>
-              <a:rPr lang="he-IL" sz="1200" kern="1200" dirty="0">
-                <a:solidFill>
-                  <a:schemeClr val="tx1"/>
-                </a:solidFill>
-                <a:effectLst/>
-                <a:latin typeface="Arial" pitchFamily="34" charset="0"/>
-                <a:ea typeface="+mn-ea"/>
-                <a:cs typeface="+mn-cs"/>
-              </a:rPr>
-              <a:t> </a:t>
-            </a:r>
-            <a:endParaRPr lang="en-US" sz="1200" kern="1200" dirty="0">
-              <a:solidFill>
-                <a:schemeClr val="tx1"/>
-              </a:solidFill>
-              <a:effectLst/>
-              <a:latin typeface="Arial" pitchFamily="34" charset="0"/>
-              <a:ea typeface="+mn-ea"/>
-              <a:cs typeface="+mn-cs"/>
-            </a:endParaRPr>
-          </a:p>
-          <a:p>
-            <a:pPr algn="r" rtl="1"/>
-            <a:endParaRPr lang="he-IL" dirty="0"/>
-          </a:p>
-        </p:txBody>
-      </p:sp>
-      <p:sp>
-        <p:nvSpPr>
-          <p:cNvPr id="4" name="Slide Number Placeholder 3"/>
-          <p:cNvSpPr>
-            <a:spLocks noGrp="1"/>
-          </p:cNvSpPr>
-          <p:nvPr>
-            <p:ph type="sldNum" sz="quarter" idx="10"/>
-          </p:nvPr>
-        </p:nvSpPr>
-        <p:spPr/>
-        <p:txBody>
-          <a:bodyPr/>
-          <a:lstStyle/>
-          <a:p>
-            <a:fld id="{BB3C0BDA-275C-4F72-B40D-28BA313A146B}" type="slidenum">
-              <a:rPr lang="en-US" altLang="he-IL" smtClean="0"/>
-              <a:pPr/>
-              <a:t>2</a:t>
-            </a:fld>
-            <a:endParaRPr lang="en-US" altLang="he-IL"/>
-          </a:p>
-        </p:txBody>
-      </p:sp>
-    </p:spTree>
-    <p:extLst>
-      <p:ext uri="{BB962C8B-B14F-4D97-AF65-F5344CB8AC3E}">
-        <p14:creationId xmlns:p14="http://schemas.microsoft.com/office/powerpoint/2010/main" val="1335780148"/>
       </p:ext>
     </p:extLst>
   </p:cSld>
@@ -8388,6 +7540,311 @@
       </p:grpSpPr>
       <p:sp>
         <p:nvSpPr>
+          <p:cNvPr id="49" name="Rectangle 2"/>
+          <p:cNvSpPr txBox="1">
+            <a:spLocks noChangeArrowheads="1"/>
+          </p:cNvSpPr>
+          <p:nvPr/>
+        </p:nvSpPr>
+        <p:spPr bwMode="auto">
+          <a:xfrm>
+            <a:off x="216149" y="10513343"/>
+            <a:ext cx="17369805" cy="7037372"/>
+          </a:xfrm>
+          <a:prstGeom prst="rect">
+            <a:avLst/>
+          </a:prstGeom>
+          <a:noFill/>
+          <a:effectLst>
+            <a:glow rad="228600">
+              <a:schemeClr val="accent2">
+                <a:satMod val="175000"/>
+                <a:alpha val="40000"/>
+              </a:schemeClr>
+            </a:glow>
+          </a:effectLst>
+          <a:extLst>
+            <a:ext uri="{909E8E84-426E-40DD-AFC4-6F175D3DCCD1}">
+              <a14:hiddenFill xmlns:a14="http://schemas.microsoft.com/office/drawing/2010/main">
+                <a:solidFill>
+                  <a:srgbClr val="7AA1FF"/>
+                </a:solidFill>
+              </a14:hiddenFill>
+            </a:ext>
+            <a:ext uri="{AF507438-7753-43E0-B8FC-AC1667EBCBE1}">
+              <a14:hiddenEffects xmlns:a14="http://schemas.microsoft.com/office/drawing/2010/main">
+                <a:effectLst>
+                  <a:outerShdw dist="35921" dir="2700000" algn="ctr" rotWithShape="0">
+                    <a:schemeClr val="bg2"/>
+                  </a:outerShdw>
+                </a:effectLst>
+              </a14:hiddenEffects>
+            </a:ext>
+          </a:extLst>
+        </p:spPr>
+        <p:style>
+          <a:lnRef idx="2">
+            <a:schemeClr val="accent3"/>
+          </a:lnRef>
+          <a:fillRef idx="1">
+            <a:schemeClr val="lt1"/>
+          </a:fillRef>
+          <a:effectRef idx="0">
+            <a:schemeClr val="accent3"/>
+          </a:effectRef>
+          <a:fontRef idx="minor">
+            <a:schemeClr val="dk1"/>
+          </a:fontRef>
+        </p:style>
+        <p:txBody>
+          <a:bodyPr vert="horz" wrap="square" lIns="246888" tIns="123444" rIns="246888" bIns="123444" numCol="1" anchor="b" anchorCtr="0" compatLnSpc="1">
+            <a:prstTxWarp prst="textNoShape">
+              <a:avLst/>
+            </a:prstTxWarp>
+            <a:noAutofit/>
+          </a:bodyPr>
+          <a:lstStyle>
+            <a:lvl1pPr algn="l" rtl="1" eaLnBrk="1" fontAlgn="base" hangingPunct="1">
+              <a:spcBef>
+                <a:spcPct val="0"/>
+              </a:spcBef>
+              <a:spcAft>
+                <a:spcPct val="0"/>
+              </a:spcAft>
+              <a:buClr>
+                <a:schemeClr val="tx1"/>
+              </a:buClr>
+              <a:defRPr sz="8600">
+                <a:solidFill>
+                  <a:schemeClr val="dk1"/>
+                </a:solidFill>
+                <a:latin typeface="+mn-lt"/>
+                <a:ea typeface="+mn-ea"/>
+                <a:cs typeface="+mn-cs"/>
+              </a:defRPr>
+            </a:lvl1pPr>
+            <a:lvl2pPr algn="l" rtl="1" eaLnBrk="1" fontAlgn="base" hangingPunct="1">
+              <a:spcBef>
+                <a:spcPct val="0"/>
+              </a:spcBef>
+              <a:spcAft>
+                <a:spcPct val="0"/>
+              </a:spcAft>
+              <a:buClr>
+                <a:schemeClr val="tx1"/>
+              </a:buClr>
+              <a:defRPr sz="8600">
+                <a:solidFill>
+                  <a:schemeClr val="dk1"/>
+                </a:solidFill>
+                <a:latin typeface="+mn-lt"/>
+                <a:ea typeface="+mn-ea"/>
+                <a:cs typeface="+mn-cs"/>
+              </a:defRPr>
+            </a:lvl2pPr>
+            <a:lvl3pPr algn="l" rtl="1" eaLnBrk="1" fontAlgn="base" hangingPunct="1">
+              <a:spcBef>
+                <a:spcPct val="0"/>
+              </a:spcBef>
+              <a:spcAft>
+                <a:spcPct val="0"/>
+              </a:spcAft>
+              <a:buClr>
+                <a:schemeClr val="tx1"/>
+              </a:buClr>
+              <a:defRPr sz="8600">
+                <a:solidFill>
+                  <a:schemeClr val="dk1"/>
+                </a:solidFill>
+                <a:latin typeface="+mn-lt"/>
+                <a:ea typeface="+mn-ea"/>
+                <a:cs typeface="+mn-cs"/>
+              </a:defRPr>
+            </a:lvl3pPr>
+            <a:lvl4pPr algn="l" rtl="1" eaLnBrk="1" fontAlgn="base" hangingPunct="1">
+              <a:spcBef>
+                <a:spcPct val="0"/>
+              </a:spcBef>
+              <a:spcAft>
+                <a:spcPct val="0"/>
+              </a:spcAft>
+              <a:buClr>
+                <a:schemeClr val="tx1"/>
+              </a:buClr>
+              <a:defRPr sz="8600">
+                <a:solidFill>
+                  <a:schemeClr val="dk1"/>
+                </a:solidFill>
+                <a:latin typeface="+mn-lt"/>
+                <a:ea typeface="+mn-ea"/>
+                <a:cs typeface="+mn-cs"/>
+              </a:defRPr>
+            </a:lvl4pPr>
+            <a:lvl5pPr algn="l" rtl="1" eaLnBrk="1" fontAlgn="base" hangingPunct="1">
+              <a:spcBef>
+                <a:spcPct val="0"/>
+              </a:spcBef>
+              <a:spcAft>
+                <a:spcPct val="0"/>
+              </a:spcAft>
+              <a:buClr>
+                <a:schemeClr val="tx1"/>
+              </a:buClr>
+              <a:defRPr sz="8600">
+                <a:solidFill>
+                  <a:schemeClr val="dk1"/>
+                </a:solidFill>
+                <a:latin typeface="+mn-lt"/>
+                <a:ea typeface="+mn-ea"/>
+                <a:cs typeface="+mn-cs"/>
+              </a:defRPr>
+            </a:lvl5pPr>
+            <a:lvl6pPr marL="1234440" algn="l" rtl="1" eaLnBrk="1" fontAlgn="base" hangingPunct="1">
+              <a:spcBef>
+                <a:spcPct val="0"/>
+              </a:spcBef>
+              <a:spcAft>
+                <a:spcPct val="0"/>
+              </a:spcAft>
+              <a:buClr>
+                <a:schemeClr val="tx1"/>
+              </a:buClr>
+              <a:defRPr sz="8600">
+                <a:solidFill>
+                  <a:schemeClr val="dk1"/>
+                </a:solidFill>
+                <a:latin typeface="+mn-lt"/>
+                <a:ea typeface="+mn-ea"/>
+                <a:cs typeface="+mn-cs"/>
+              </a:defRPr>
+            </a:lvl6pPr>
+            <a:lvl7pPr marL="2468880" algn="l" rtl="1" eaLnBrk="1" fontAlgn="base" hangingPunct="1">
+              <a:spcBef>
+                <a:spcPct val="0"/>
+              </a:spcBef>
+              <a:spcAft>
+                <a:spcPct val="0"/>
+              </a:spcAft>
+              <a:buClr>
+                <a:schemeClr val="tx1"/>
+              </a:buClr>
+              <a:defRPr sz="8600">
+                <a:solidFill>
+                  <a:schemeClr val="dk1"/>
+                </a:solidFill>
+                <a:latin typeface="+mn-lt"/>
+                <a:ea typeface="+mn-ea"/>
+                <a:cs typeface="+mn-cs"/>
+              </a:defRPr>
+            </a:lvl7pPr>
+            <a:lvl8pPr marL="3703320" algn="l" rtl="1" eaLnBrk="1" fontAlgn="base" hangingPunct="1">
+              <a:spcBef>
+                <a:spcPct val="0"/>
+              </a:spcBef>
+              <a:spcAft>
+                <a:spcPct val="0"/>
+              </a:spcAft>
+              <a:buClr>
+                <a:schemeClr val="tx1"/>
+              </a:buClr>
+              <a:defRPr sz="8600">
+                <a:solidFill>
+                  <a:schemeClr val="dk1"/>
+                </a:solidFill>
+                <a:latin typeface="+mn-lt"/>
+                <a:ea typeface="+mn-ea"/>
+                <a:cs typeface="+mn-cs"/>
+              </a:defRPr>
+            </a:lvl8pPr>
+            <a:lvl9pPr marL="4937760" algn="l" rtl="1" eaLnBrk="1" fontAlgn="base" hangingPunct="1">
+              <a:spcBef>
+                <a:spcPct val="0"/>
+              </a:spcBef>
+              <a:spcAft>
+                <a:spcPct val="0"/>
+              </a:spcAft>
+              <a:buClr>
+                <a:schemeClr val="tx1"/>
+              </a:buClr>
+              <a:defRPr sz="8600">
+                <a:solidFill>
+                  <a:schemeClr val="dk1"/>
+                </a:solidFill>
+                <a:latin typeface="+mn-lt"/>
+                <a:ea typeface="+mn-ea"/>
+                <a:cs typeface="+mn-cs"/>
+              </a:defRPr>
+            </a:lvl9pPr>
+          </a:lstStyle>
+          <a:p>
+            <a:pPr algn="ctr"/>
+            <a:endParaRPr lang="he-IL" altLang="he-IL" sz="5400" kern="0" dirty="0">
+              <a:latin typeface="Times New Roman" panose="02020603050405020304" pitchFamily="18" charset="0"/>
+              <a:cs typeface="Times New Roman" panose="02020603050405020304" pitchFamily="18" charset="0"/>
+            </a:endParaRPr>
+          </a:p>
+        </p:txBody>
+      </p:sp>
+      <p:pic>
+        <p:nvPicPr>
+          <p:cNvPr id="1032" name="Picture 8"/>
+          <p:cNvPicPr>
+            <a:picLocks noChangeAspect="1" noChangeArrowheads="1"/>
+          </p:cNvPicPr>
+          <p:nvPr/>
+        </p:nvPicPr>
+        <p:blipFill>
+          <a:blip r:embed="rId3">
+            <a:extLst>
+              <a:ext uri="{28A0092B-C50C-407E-A947-70E740481C1C}">
+                <a14:useLocalDpi xmlns:a14="http://schemas.microsoft.com/office/drawing/2010/main" val="0"/>
+              </a:ext>
+            </a:extLst>
+          </a:blip>
+          <a:srcRect/>
+          <a:stretch>
+            <a:fillRect/>
+          </a:stretch>
+        </p:blipFill>
+        <p:spPr bwMode="auto">
+          <a:xfrm>
+            <a:off x="2448397" y="17491112"/>
+            <a:ext cx="5212772" cy="6919775"/>
+          </a:xfrm>
+          <a:prstGeom prst="rect">
+            <a:avLst/>
+          </a:prstGeom>
+          <a:noFill/>
+          <a:ln>
+            <a:noFill/>
+          </a:ln>
+          <a:scene3d>
+            <a:camera prst="isometricRightUp"/>
+            <a:lightRig rig="threePt" dir="t"/>
+          </a:scene3d>
+          <a:extLst>
+            <a:ext uri="{909E8E84-426E-40DD-AFC4-6F175D3DCCD1}">
+              <a14:hiddenFill xmlns:a14="http://schemas.microsoft.com/office/drawing/2010/main">
+                <a:solidFill>
+                  <a:schemeClr val="accent1"/>
+                </a:solidFill>
+              </a14:hiddenFill>
+            </a:ext>
+            <a:ext uri="{91240B29-F687-4F45-9708-019B960494DF}">
+              <a14:hiddenLine xmlns:a14="http://schemas.microsoft.com/office/drawing/2010/main" w="9525">
+                <a:solidFill>
+                  <a:schemeClr val="tx1"/>
+                </a:solidFill>
+                <a:miter lim="800000"/>
+                <a:headEnd/>
+                <a:tailEnd/>
+              </a14:hiddenLine>
+            </a:ext>
+          </a:extLst>
+        </p:spPr>
+      </p:pic>
+      <p:sp>
+        <p:nvSpPr>
           <p:cNvPr id="53250" name="Rectangle 2"/>
           <p:cNvSpPr>
             <a:spLocks noGrp="1" noChangeArrowheads="1"/>
@@ -8440,7 +7897,17 @@
                 <a:latin typeface="Times New Roman" panose="02020603050405020304" pitchFamily="18" charset="0"/>
                 <a:cs typeface="Times New Roman" panose="02020603050405020304" pitchFamily="18" charset="0"/>
               </a:rPr>
-              <a:t>מציאת מיקום דגימות </a:t>
+              <a:t>הצורך: מציאת </a:t>
+            </a:r>
+            <a:r>
+              <a:rPr lang="he-IL" sz="5400" b="1" dirty="0" smtClean="0">
+                <a:solidFill>
+                  <a:schemeClr val="tx1"/>
+                </a:solidFill>
+                <a:latin typeface="Times New Roman" panose="02020603050405020304" pitchFamily="18" charset="0"/>
+                <a:cs typeface="Times New Roman" panose="02020603050405020304" pitchFamily="18" charset="0"/>
+              </a:rPr>
+              <a:t>מיקום דגימות </a:t>
             </a:r>
             <a:r>
               <a:rPr lang="en-US" sz="5400" b="1" dirty="0" smtClean="0">
@@ -8469,327 +7936,6 @@
           </a:p>
         </p:txBody>
       </p:sp>
-      <p:sp>
-        <p:nvSpPr>
-          <p:cNvPr id="5" name="Rectangle 2"/>
-          <p:cNvSpPr txBox="1">
-            <a:spLocks noChangeArrowheads="1"/>
-          </p:cNvSpPr>
-          <p:nvPr/>
-        </p:nvSpPr>
-        <p:spPr bwMode="auto">
-          <a:xfrm>
-            <a:off x="362927" y="8036512"/>
-            <a:ext cx="17153656" cy="7661407"/>
-          </a:xfrm>
-          <a:prstGeom prst="rect">
-            <a:avLst/>
-          </a:prstGeom>
-          <a:noFill/>
-          <a:effectLst>
-            <a:glow rad="228600">
-              <a:schemeClr val="accent2">
-                <a:satMod val="175000"/>
-                <a:alpha val="40000"/>
-              </a:schemeClr>
-            </a:glow>
-          </a:effectLst>
-          <a:extLst>
-            <a:ext uri="{909E8E84-426E-40DD-AFC4-6F175D3DCCD1}">
-              <a14:hiddenFill xmlns:a14="http://schemas.microsoft.com/office/drawing/2010/main">
-                <a:solidFill>
-                  <a:srgbClr val="7AA1FF"/>
-                </a:solidFill>
-              </a14:hiddenFill>
-            </a:ext>
-            <a:ext uri="{AF507438-7753-43E0-B8FC-AC1667EBCBE1}">
-              <a14:hiddenEffects xmlns:a14="http://schemas.microsoft.com/office/drawing/2010/main">
-                <a:effectLst>
-                  <a:outerShdw dist="35921" dir="2700000" algn="ctr" rotWithShape="0">
-                    <a:schemeClr val="bg2"/>
-                  </a:outerShdw>
-                </a:effectLst>
-              </a14:hiddenEffects>
-            </a:ext>
-          </a:extLst>
-        </p:spPr>
-        <p:style>
-          <a:lnRef idx="2">
-            <a:schemeClr val="accent3"/>
-          </a:lnRef>
-          <a:fillRef idx="1">
-            <a:schemeClr val="lt1"/>
-          </a:fillRef>
-          <a:effectRef idx="0">
-            <a:schemeClr val="accent3"/>
-          </a:effectRef>
-          <a:fontRef idx="minor">
-            <a:schemeClr val="dk1"/>
-          </a:fontRef>
-        </p:style>
-        <p:txBody>
-          <a:bodyPr vert="horz" wrap="square" lIns="246888" tIns="123444" rIns="246888" bIns="123444" numCol="1" anchor="b" anchorCtr="0" compatLnSpc="1">
-            <a:prstTxWarp prst="textNoShape">
-              <a:avLst/>
-            </a:prstTxWarp>
-          </a:bodyPr>
-          <a:lstStyle>
-            <a:lvl1pPr algn="l" rtl="1" eaLnBrk="1" fontAlgn="base" hangingPunct="1">
-              <a:spcBef>
-                <a:spcPct val="0"/>
-              </a:spcBef>
-              <a:spcAft>
-                <a:spcPct val="0"/>
-              </a:spcAft>
-              <a:buClr>
-                <a:srgbClr val="FFFFFF"/>
-              </a:buClr>
-              <a:defRPr sz="3200">
-                <a:solidFill>
-                  <a:schemeClr val="dk1"/>
-                </a:solidFill>
-                <a:latin typeface="+mn-lt"/>
-                <a:ea typeface="+mn-ea"/>
-                <a:cs typeface="+mn-cs"/>
-              </a:defRPr>
-            </a:lvl1pPr>
-            <a:lvl2pPr algn="l" rtl="1" eaLnBrk="1" fontAlgn="base" hangingPunct="1">
-              <a:spcBef>
-                <a:spcPct val="0"/>
-              </a:spcBef>
-              <a:spcAft>
-                <a:spcPct val="0"/>
-              </a:spcAft>
-              <a:buClr>
-                <a:schemeClr val="tx1"/>
-              </a:buClr>
-              <a:defRPr sz="3200">
-                <a:solidFill>
-                  <a:schemeClr val="dk1"/>
-                </a:solidFill>
-                <a:latin typeface="+mn-lt"/>
-                <a:ea typeface="+mn-ea"/>
-                <a:cs typeface="+mn-cs"/>
-              </a:defRPr>
-            </a:lvl2pPr>
-            <a:lvl3pPr algn="l" rtl="1" eaLnBrk="1" fontAlgn="base" hangingPunct="1">
-              <a:spcBef>
-                <a:spcPct val="0"/>
-              </a:spcBef>
-              <a:spcAft>
-                <a:spcPct val="0"/>
-              </a:spcAft>
-              <a:buClr>
-                <a:schemeClr val="tx1"/>
-              </a:buClr>
-              <a:defRPr sz="3200">
-                <a:solidFill>
-                  <a:schemeClr val="dk1"/>
-                </a:solidFill>
-                <a:latin typeface="+mn-lt"/>
-                <a:ea typeface="+mn-ea"/>
-                <a:cs typeface="+mn-cs"/>
-              </a:defRPr>
-            </a:lvl3pPr>
-            <a:lvl4pPr algn="l" rtl="1" eaLnBrk="1" fontAlgn="base" hangingPunct="1">
-              <a:spcBef>
-                <a:spcPct val="0"/>
-              </a:spcBef>
-              <a:spcAft>
-                <a:spcPct val="0"/>
-              </a:spcAft>
-              <a:buClr>
-                <a:schemeClr val="tx1"/>
-              </a:buClr>
-              <a:defRPr sz="3200">
-                <a:solidFill>
-                  <a:schemeClr val="dk1"/>
-                </a:solidFill>
-                <a:latin typeface="+mn-lt"/>
-                <a:ea typeface="+mn-ea"/>
-                <a:cs typeface="+mn-cs"/>
-              </a:defRPr>
-            </a:lvl4pPr>
-            <a:lvl5pPr algn="l" rtl="1" eaLnBrk="1" fontAlgn="base" hangingPunct="1">
-              <a:spcBef>
-                <a:spcPct val="0"/>
-              </a:spcBef>
-              <a:spcAft>
-                <a:spcPct val="0"/>
-              </a:spcAft>
-              <a:buClr>
-                <a:schemeClr val="tx1"/>
-              </a:buClr>
-              <a:defRPr sz="3200">
-                <a:solidFill>
-                  <a:schemeClr val="dk1"/>
-                </a:solidFill>
-                <a:latin typeface="+mn-lt"/>
-                <a:ea typeface="+mn-ea"/>
-                <a:cs typeface="+mn-cs"/>
-              </a:defRPr>
-            </a:lvl5pPr>
-            <a:lvl6pPr marL="457200" algn="l" rtl="1" eaLnBrk="1" fontAlgn="base" hangingPunct="1">
-              <a:spcBef>
-                <a:spcPct val="0"/>
-              </a:spcBef>
-              <a:spcAft>
-                <a:spcPct val="0"/>
-              </a:spcAft>
-              <a:buClr>
-                <a:schemeClr val="tx1"/>
-              </a:buClr>
-              <a:defRPr sz="3200">
-                <a:solidFill>
-                  <a:schemeClr val="dk1"/>
-                </a:solidFill>
-                <a:latin typeface="+mn-lt"/>
-                <a:ea typeface="+mn-ea"/>
-                <a:cs typeface="+mn-cs"/>
-              </a:defRPr>
-            </a:lvl6pPr>
-            <a:lvl7pPr marL="914400" algn="l" rtl="1" eaLnBrk="1" fontAlgn="base" hangingPunct="1">
-              <a:spcBef>
-                <a:spcPct val="0"/>
-              </a:spcBef>
-              <a:spcAft>
-                <a:spcPct val="0"/>
-              </a:spcAft>
-              <a:buClr>
-                <a:schemeClr val="tx1"/>
-              </a:buClr>
-              <a:defRPr sz="3200">
-                <a:solidFill>
-                  <a:schemeClr val="dk1"/>
-                </a:solidFill>
-                <a:latin typeface="+mn-lt"/>
-                <a:ea typeface="+mn-ea"/>
-                <a:cs typeface="+mn-cs"/>
-              </a:defRPr>
-            </a:lvl7pPr>
-            <a:lvl8pPr marL="1371600" algn="l" rtl="1" eaLnBrk="1" fontAlgn="base" hangingPunct="1">
-              <a:spcBef>
-                <a:spcPct val="0"/>
-              </a:spcBef>
-              <a:spcAft>
-                <a:spcPct val="0"/>
-              </a:spcAft>
-              <a:buClr>
-                <a:schemeClr val="tx1"/>
-              </a:buClr>
-              <a:defRPr sz="3200">
-                <a:solidFill>
-                  <a:schemeClr val="dk1"/>
-                </a:solidFill>
-                <a:latin typeface="+mn-lt"/>
-                <a:ea typeface="+mn-ea"/>
-                <a:cs typeface="+mn-cs"/>
-              </a:defRPr>
-            </a:lvl8pPr>
-            <a:lvl9pPr marL="1828800" algn="l" rtl="1" eaLnBrk="1" fontAlgn="base" hangingPunct="1">
-              <a:spcBef>
-                <a:spcPct val="0"/>
-              </a:spcBef>
-              <a:spcAft>
-                <a:spcPct val="0"/>
-              </a:spcAft>
-              <a:buClr>
-                <a:schemeClr val="tx1"/>
-              </a:buClr>
-              <a:defRPr sz="3200">
-                <a:solidFill>
-                  <a:schemeClr val="dk1"/>
-                </a:solidFill>
-                <a:latin typeface="+mn-lt"/>
-                <a:ea typeface="+mn-ea"/>
-                <a:cs typeface="+mn-cs"/>
-              </a:defRPr>
-            </a:lvl9pPr>
-          </a:lstStyle>
-          <a:p>
-            <a:pPr algn="r"/>
-            <a:endParaRPr lang="he-IL" altLang="he-IL" sz="6500" kern="0" dirty="0">
-              <a:latin typeface="Times New Roman" panose="02020603050405020304" pitchFamily="18" charset="0"/>
-              <a:cs typeface="Times New Roman" panose="02020603050405020304" pitchFamily="18" charset="0"/>
-            </a:endParaRPr>
-          </a:p>
-        </p:txBody>
-      </p:sp>
-      <p:grpSp>
-        <p:nvGrpSpPr>
-          <p:cNvPr id="9" name="Group 8"/>
-          <p:cNvGrpSpPr/>
-          <p:nvPr/>
-        </p:nvGrpSpPr>
-        <p:grpSpPr>
-          <a:xfrm>
-            <a:off x="1008237" y="7561015"/>
-            <a:ext cx="15251269" cy="5184576"/>
-            <a:chOff x="1094672" y="5439820"/>
-            <a:chExt cx="13737575" cy="5410632"/>
-          </a:xfrm>
-        </p:grpSpPr>
-        <p:pic>
-          <p:nvPicPr>
-            <p:cNvPr id="8" name="Picture 7"/>
-            <p:cNvPicPr>
-              <a:picLocks noChangeAspect="1"/>
-            </p:cNvPicPr>
-            <p:nvPr/>
-          </p:nvPicPr>
-          <p:blipFill>
-            <a:blip r:embed="rId3">
-              <a:extLst>
-                <a:ext uri="{28A0092B-C50C-407E-A947-70E740481C1C}">
-                  <a14:useLocalDpi xmlns:a14="http://schemas.microsoft.com/office/drawing/2010/main" val="0"/>
-                </a:ext>
-              </a:extLst>
-            </a:blip>
-            <a:stretch>
-              <a:fillRect/>
-            </a:stretch>
-          </p:blipFill>
-          <p:spPr>
-            <a:xfrm rot="9280709" flipH="1">
-              <a:off x="1094672" y="5439820"/>
-              <a:ext cx="6347127" cy="5410631"/>
-            </a:xfrm>
-            <a:prstGeom prst="rect">
-              <a:avLst/>
-            </a:prstGeom>
-          </p:spPr>
-        </p:pic>
-        <p:pic>
-          <p:nvPicPr>
-            <p:cNvPr id="11" name="Picture 10"/>
-            <p:cNvPicPr>
-              <a:picLocks noChangeAspect="1"/>
-            </p:cNvPicPr>
-            <p:nvPr/>
-          </p:nvPicPr>
-          <p:blipFill>
-            <a:blip r:embed="rId3">
-              <a:extLst>
-                <a:ext uri="{28A0092B-C50C-407E-A947-70E740481C1C}">
-                  <a14:useLocalDpi xmlns:a14="http://schemas.microsoft.com/office/drawing/2010/main" val="0"/>
-                </a:ext>
-              </a:extLst>
-            </a:blip>
-            <a:stretch>
-              <a:fillRect/>
-            </a:stretch>
-          </p:blipFill>
-          <p:spPr>
-            <a:xfrm rot="12319291">
-              <a:off x="8485120" y="5439821"/>
-              <a:ext cx="6347127" cy="5410631"/>
-            </a:xfrm>
-            <a:prstGeom prst="rect">
-              <a:avLst/>
-            </a:prstGeom>
-          </p:spPr>
-        </p:pic>
-      </p:grpSp>
       <p:pic>
         <p:nvPicPr>
           <p:cNvPr id="12" name="Picture 11"/>
@@ -9990,16 +9136,7 @@
                 </a:solidFill>
                 <a:cs typeface="Times New Roman" panose="02020603050405020304" pitchFamily="18" charset="0"/>
               </a:rPr>
-              <a:t>יו</a:t>
-            </a:r>
-            <a:r>
-              <a:rPr lang="he-IL" sz="3000" b="1" i="1" kern="0" dirty="0">
-                <a:solidFill>
-                  <a:schemeClr val="tx1"/>
-                </a:solidFill>
-                <a:cs typeface="Times New Roman" panose="02020603050405020304" pitchFamily="18" charset="0"/>
-              </a:rPr>
-              <a:t>לי 201</a:t>
+              <a:t>יולי 201</a:t>
             </a:r>
             <a:r>
               <a:rPr lang="he-IL" sz="3000" b="1" i="1" kern="0" dirty="0" smtClean="0">
@@ -10015,625 +9152,6 @@
                 <a:schemeClr val="tx1"/>
               </a:solidFill>
               <a:cs typeface="Times New Roman" panose="02020603050405020304" pitchFamily="18" charset="0"/>
-            </a:endParaRPr>
-          </a:p>
-        </p:txBody>
-      </p:sp>
-      <p:pic>
-        <p:nvPicPr>
-          <p:cNvPr id="20" name="Picture 19"/>
-          <p:cNvPicPr>
-            <a:picLocks noChangeAspect="1"/>
-          </p:cNvPicPr>
-          <p:nvPr/>
-        </p:nvPicPr>
-        <p:blipFill>
-          <a:blip r:embed="rId6">
-            <a:extLst>
-              <a:ext uri="{28A0092B-C50C-407E-A947-70E740481C1C}">
-                <a14:useLocalDpi xmlns:a14="http://schemas.microsoft.com/office/drawing/2010/main" val="0"/>
-              </a:ext>
-            </a:extLst>
-          </a:blip>
-          <a:stretch>
-            <a:fillRect/>
-          </a:stretch>
-        </p:blipFill>
-        <p:spPr>
-          <a:xfrm>
-            <a:off x="2087687" y="13153336"/>
-            <a:ext cx="1853952" cy="1402824"/>
-          </a:xfrm>
-          <a:prstGeom prst="rect">
-            <a:avLst/>
-          </a:prstGeom>
-          <a:scene3d>
-            <a:camera prst="isometricOffAxis2Left"/>
-            <a:lightRig rig="threePt" dir="t"/>
-          </a:scene3d>
-        </p:spPr>
-      </p:pic>
-      <p:pic>
-        <p:nvPicPr>
-          <p:cNvPr id="29" name="Picture 28"/>
-          <p:cNvPicPr>
-            <a:picLocks noChangeAspect="1"/>
-          </p:cNvPicPr>
-          <p:nvPr/>
-        </p:nvPicPr>
-        <p:blipFill>
-          <a:blip r:embed="rId6">
-            <a:extLst>
-              <a:ext uri="{28A0092B-C50C-407E-A947-70E740481C1C}">
-                <a14:useLocalDpi xmlns:a14="http://schemas.microsoft.com/office/drawing/2010/main" val="0"/>
-              </a:ext>
-            </a:extLst>
-          </a:blip>
-          <a:stretch>
-            <a:fillRect/>
-          </a:stretch>
-        </p:blipFill>
-        <p:spPr>
-          <a:xfrm rot="16200000">
-            <a:off x="3823148" y="8561343"/>
-            <a:ext cx="1853952" cy="1402824"/>
-          </a:xfrm>
-          <a:prstGeom prst="rect">
-            <a:avLst/>
-          </a:prstGeom>
-        </p:spPr>
-      </p:pic>
-      <p:pic>
-        <p:nvPicPr>
-          <p:cNvPr id="30" name="Picture 29"/>
-          <p:cNvPicPr>
-            <a:picLocks noChangeAspect="1"/>
-          </p:cNvPicPr>
-          <p:nvPr/>
-        </p:nvPicPr>
-        <p:blipFill>
-          <a:blip r:embed="rId6">
-            <a:extLst>
-              <a:ext uri="{28A0092B-C50C-407E-A947-70E740481C1C}">
-                <a14:useLocalDpi xmlns:a14="http://schemas.microsoft.com/office/drawing/2010/main" val="0"/>
-              </a:ext>
-            </a:extLst>
-          </a:blip>
-          <a:stretch>
-            <a:fillRect/>
-          </a:stretch>
-        </p:blipFill>
-        <p:spPr>
-          <a:xfrm rot="1275998">
-            <a:off x="11444403" y="8498449"/>
-            <a:ext cx="1853952" cy="1402824"/>
-          </a:xfrm>
-          <a:prstGeom prst="rect">
-            <a:avLst/>
-          </a:prstGeom>
-        </p:spPr>
-      </p:pic>
-      <p:pic>
-        <p:nvPicPr>
-          <p:cNvPr id="31" name="Picture 30"/>
-          <p:cNvPicPr>
-            <a:picLocks noChangeAspect="1"/>
-          </p:cNvPicPr>
-          <p:nvPr/>
-        </p:nvPicPr>
-        <p:blipFill>
-          <a:blip r:embed="rId6">
-            <a:extLst>
-              <a:ext uri="{28A0092B-C50C-407E-A947-70E740481C1C}">
-                <a14:useLocalDpi xmlns:a14="http://schemas.microsoft.com/office/drawing/2010/main" val="0"/>
-              </a:ext>
-            </a:extLst>
-          </a:blip>
-          <a:stretch>
-            <a:fillRect/>
-          </a:stretch>
-        </p:blipFill>
-        <p:spPr>
-          <a:xfrm rot="1041985">
-            <a:off x="8459537" y="11445621"/>
-            <a:ext cx="1536826" cy="948208"/>
-          </a:xfrm>
-          <a:prstGeom prst="rect">
-            <a:avLst/>
-          </a:prstGeom>
-        </p:spPr>
-      </p:pic>
-      <p:pic>
-        <p:nvPicPr>
-          <p:cNvPr id="32" name="Picture 31"/>
-          <p:cNvPicPr>
-            <a:picLocks noChangeAspect="1"/>
-          </p:cNvPicPr>
-          <p:nvPr/>
-        </p:nvPicPr>
-        <p:blipFill>
-          <a:blip r:embed="rId6" cstate="print">
-            <a:extLst>
-              <a:ext uri="{28A0092B-C50C-407E-A947-70E740481C1C}">
-                <a14:useLocalDpi xmlns:a14="http://schemas.microsoft.com/office/drawing/2010/main" val="0"/>
-              </a:ext>
-            </a:extLst>
-          </a:blip>
-          <a:stretch>
-            <a:fillRect/>
-          </a:stretch>
-        </p:blipFill>
-        <p:spPr>
-          <a:xfrm rot="3656354">
-            <a:off x="7216327" y="11809556"/>
-            <a:ext cx="1188094" cy="898991"/>
-          </a:xfrm>
-          <a:prstGeom prst="rect">
-            <a:avLst/>
-          </a:prstGeom>
-        </p:spPr>
-      </p:pic>
-      <p:sp>
-        <p:nvSpPr>
-          <p:cNvPr id="34" name="Down Arrow 33"/>
-          <p:cNvSpPr/>
-          <p:nvPr/>
-        </p:nvSpPr>
-        <p:spPr bwMode="auto">
-          <a:xfrm rot="11772698">
-            <a:off x="4246556" y="10969299"/>
-            <a:ext cx="1224136" cy="3770622"/>
-          </a:xfrm>
-          <a:prstGeom prst="downArrow">
-            <a:avLst>
-              <a:gd name="adj1" fmla="val 10161"/>
-              <a:gd name="adj2" fmla="val 50000"/>
-            </a:avLst>
-          </a:prstGeom>
-          <a:solidFill>
-            <a:srgbClr val="FF0000"/>
-          </a:solidFill>
-          <a:ln w="9525" cap="sq" cmpd="sng" algn="ctr">
-            <a:solidFill>
-              <a:schemeClr val="tx1"/>
-            </a:solidFill>
-            <a:prstDash val="solid"/>
-            <a:bevel/>
-            <a:headEnd type="none" w="med" len="med"/>
-            <a:tailEnd type="none" w="med" len="med"/>
-          </a:ln>
-          <a:effectLst/>
-          <a:scene3d>
-            <a:camera prst="isometricOffAxis2Top"/>
-            <a:lightRig rig="threePt" dir="t"/>
-          </a:scene3d>
-          <a:sp3d/>
-          <a:extLst/>
-        </p:spPr>
-        <p:txBody>
-          <a:bodyPr vert="horz" wrap="square" lIns="91440" tIns="45720" rIns="91440" bIns="45720" numCol="1" rtlCol="1" anchor="t" anchorCtr="0" compatLnSpc="1">
-            <a:prstTxWarp prst="textNoShape">
-              <a:avLst/>
-            </a:prstTxWarp>
-          </a:bodyPr>
-          <a:lstStyle/>
-          <a:p>
-            <a:pPr marL="0" marR="0" indent="0" algn="l" defTabSz="914400" rtl="0" eaLnBrk="1" fontAlgn="base" latinLnBrk="0" hangingPunct="1">
-              <a:lnSpc>
-                <a:spcPct val="100000"/>
-              </a:lnSpc>
-              <a:spcBef>
-                <a:spcPct val="0"/>
-              </a:spcBef>
-              <a:spcAft>
-                <a:spcPct val="0"/>
-              </a:spcAft>
-              <a:buClrTx/>
-              <a:buSzTx/>
-              <a:buFontTx/>
-              <a:buNone/>
-              <a:tabLst/>
-            </a:pPr>
-            <a:endParaRPr kumimoji="0" lang="he-IL" sz="1800" b="0" i="0" u="none" strike="noStrike" cap="none" normalizeH="0" baseline="0" smtClean="0">
-              <a:ln>
-                <a:noFill/>
-              </a:ln>
-              <a:solidFill>
-                <a:schemeClr val="tx1"/>
-              </a:solidFill>
-              <a:effectLst/>
-              <a:latin typeface="Arial" pitchFamily="34" charset="0"/>
-            </a:endParaRPr>
-          </a:p>
-        </p:txBody>
-      </p:sp>
-      <p:sp>
-        <p:nvSpPr>
-          <p:cNvPr id="38" name="Down Arrow 37"/>
-          <p:cNvSpPr/>
-          <p:nvPr/>
-        </p:nvSpPr>
-        <p:spPr bwMode="auto">
-          <a:xfrm rot="18982554">
-            <a:off x="12219542" y="9658164"/>
-            <a:ext cx="641821" cy="1278309"/>
-          </a:xfrm>
-          <a:prstGeom prst="downArrow">
-            <a:avLst>
-              <a:gd name="adj1" fmla="val 10161"/>
-              <a:gd name="adj2" fmla="val 50000"/>
-            </a:avLst>
-          </a:prstGeom>
-          <a:solidFill>
-            <a:srgbClr val="FF0000"/>
-          </a:solidFill>
-          <a:ln w="9525" cap="sq" cmpd="sng" algn="ctr">
-            <a:solidFill>
-              <a:schemeClr val="tx1"/>
-            </a:solidFill>
-            <a:prstDash val="solid"/>
-            <a:bevel/>
-            <a:headEnd type="none" w="med" len="med"/>
-            <a:tailEnd type="none" w="med" len="med"/>
-          </a:ln>
-          <a:effectLst/>
-          <a:extLst/>
-        </p:spPr>
-        <p:txBody>
-          <a:bodyPr vert="horz" wrap="square" lIns="91440" tIns="45720" rIns="91440" bIns="45720" numCol="1" rtlCol="1" anchor="t" anchorCtr="0" compatLnSpc="1">
-            <a:prstTxWarp prst="textNoShape">
-              <a:avLst/>
-            </a:prstTxWarp>
-          </a:bodyPr>
-          <a:lstStyle/>
-          <a:p>
-            <a:pPr marL="0" marR="0" indent="0" algn="l" defTabSz="914400" rtl="0" eaLnBrk="1" fontAlgn="base" latinLnBrk="0" hangingPunct="1">
-              <a:lnSpc>
-                <a:spcPct val="100000"/>
-              </a:lnSpc>
-              <a:spcBef>
-                <a:spcPct val="0"/>
-              </a:spcBef>
-              <a:spcAft>
-                <a:spcPct val="0"/>
-              </a:spcAft>
-              <a:buClrTx/>
-              <a:buSzTx/>
-              <a:buFontTx/>
-              <a:buNone/>
-              <a:tabLst/>
-            </a:pPr>
-            <a:endParaRPr kumimoji="0" lang="he-IL" sz="1800" b="0" i="0" u="none" strike="noStrike" cap="none" normalizeH="0" baseline="0" smtClean="0">
-              <a:ln>
-                <a:noFill/>
-              </a:ln>
-              <a:solidFill>
-                <a:schemeClr val="tx1"/>
-              </a:solidFill>
-              <a:effectLst/>
-              <a:latin typeface="Arial" pitchFamily="34" charset="0"/>
-            </a:endParaRPr>
-          </a:p>
-        </p:txBody>
-      </p:sp>
-      <p:sp>
-        <p:nvSpPr>
-          <p:cNvPr id="39" name="Down Arrow 38"/>
-          <p:cNvSpPr/>
-          <p:nvPr/>
-        </p:nvSpPr>
-        <p:spPr bwMode="auto">
-          <a:xfrm rot="11772698">
-            <a:off x="8498693" y="10628660"/>
-            <a:ext cx="1300609" cy="1008149"/>
-          </a:xfrm>
-          <a:prstGeom prst="downArrow">
-            <a:avLst>
-              <a:gd name="adj1" fmla="val 10161"/>
-              <a:gd name="adj2" fmla="val 50000"/>
-            </a:avLst>
-          </a:prstGeom>
-          <a:solidFill>
-            <a:srgbClr val="FF0000"/>
-          </a:solidFill>
-          <a:ln w="9525" cap="sq" cmpd="sng" algn="ctr">
-            <a:solidFill>
-              <a:schemeClr val="tx1"/>
-            </a:solidFill>
-            <a:prstDash val="solid"/>
-            <a:bevel/>
-            <a:headEnd type="none" w="med" len="med"/>
-            <a:tailEnd type="none" w="med" len="med"/>
-          </a:ln>
-          <a:effectLst/>
-          <a:scene3d>
-            <a:camera prst="isometricOffAxis2Right"/>
-            <a:lightRig rig="threePt" dir="t"/>
-          </a:scene3d>
-          <a:extLst/>
-        </p:spPr>
-        <p:txBody>
-          <a:bodyPr vert="horz" wrap="square" lIns="91440" tIns="45720" rIns="91440" bIns="45720" numCol="1" rtlCol="1" anchor="t" anchorCtr="0" compatLnSpc="1">
-            <a:prstTxWarp prst="textNoShape">
-              <a:avLst/>
-            </a:prstTxWarp>
-          </a:bodyPr>
-          <a:lstStyle/>
-          <a:p>
-            <a:pPr marL="0" marR="0" indent="0" algn="l" defTabSz="914400" rtl="0" eaLnBrk="1" fontAlgn="base" latinLnBrk="0" hangingPunct="1">
-              <a:lnSpc>
-                <a:spcPct val="100000"/>
-              </a:lnSpc>
-              <a:spcBef>
-                <a:spcPct val="0"/>
-              </a:spcBef>
-              <a:spcAft>
-                <a:spcPct val="0"/>
-              </a:spcAft>
-              <a:buClrTx/>
-              <a:buSzTx/>
-              <a:buFontTx/>
-              <a:buNone/>
-              <a:tabLst/>
-            </a:pPr>
-            <a:endParaRPr kumimoji="0" lang="he-IL" sz="1800" b="0" i="0" u="none" strike="noStrike" cap="none" normalizeH="0" baseline="0" smtClean="0">
-              <a:ln>
-                <a:noFill/>
-              </a:ln>
-              <a:solidFill>
-                <a:schemeClr val="tx1"/>
-              </a:solidFill>
-              <a:effectLst/>
-              <a:latin typeface="Arial" pitchFamily="34" charset="0"/>
-            </a:endParaRPr>
-          </a:p>
-        </p:txBody>
-      </p:sp>
-      <p:sp>
-        <p:nvSpPr>
-          <p:cNvPr id="41" name="Down Arrow 40"/>
-          <p:cNvSpPr/>
-          <p:nvPr/>
-        </p:nvSpPr>
-        <p:spPr bwMode="auto">
-          <a:xfrm rot="11772698">
-            <a:off x="7151617" y="10405802"/>
-            <a:ext cx="1116826" cy="2385042"/>
-          </a:xfrm>
-          <a:prstGeom prst="downArrow">
-            <a:avLst>
-              <a:gd name="adj1" fmla="val 10161"/>
-              <a:gd name="adj2" fmla="val 50000"/>
-            </a:avLst>
-          </a:prstGeom>
-          <a:solidFill>
-            <a:srgbClr val="FF0000"/>
-          </a:solidFill>
-          <a:ln w="9525" cap="sq" cmpd="sng" algn="ctr">
-            <a:solidFill>
-              <a:schemeClr val="tx1"/>
-            </a:solidFill>
-            <a:prstDash val="solid"/>
-            <a:bevel/>
-            <a:headEnd type="none" w="med" len="med"/>
-            <a:tailEnd type="none" w="med" len="med"/>
-          </a:ln>
-          <a:effectLst/>
-          <a:scene3d>
-            <a:camera prst="isometricOffAxis1Top"/>
-            <a:lightRig rig="threePt" dir="t"/>
-          </a:scene3d>
-          <a:extLst/>
-        </p:spPr>
-        <p:txBody>
-          <a:bodyPr vert="horz" wrap="square" lIns="91440" tIns="45720" rIns="91440" bIns="45720" numCol="1" rtlCol="1" anchor="t" anchorCtr="0" compatLnSpc="1">
-            <a:prstTxWarp prst="textNoShape">
-              <a:avLst/>
-            </a:prstTxWarp>
-          </a:bodyPr>
-          <a:lstStyle/>
-          <a:p>
-            <a:pPr marL="0" marR="0" indent="0" algn="l" defTabSz="914400" rtl="0" eaLnBrk="1" fontAlgn="base" latinLnBrk="0" hangingPunct="1">
-              <a:lnSpc>
-                <a:spcPct val="100000"/>
-              </a:lnSpc>
-              <a:spcBef>
-                <a:spcPct val="0"/>
-              </a:spcBef>
-              <a:spcAft>
-                <a:spcPct val="0"/>
-              </a:spcAft>
-              <a:buClrTx/>
-              <a:buSzTx/>
-              <a:buFontTx/>
-              <a:buNone/>
-              <a:tabLst/>
-            </a:pPr>
-            <a:endParaRPr kumimoji="0" lang="he-IL" sz="1800" b="0" i="0" u="none" strike="noStrike" cap="none" normalizeH="0" baseline="0" smtClean="0">
-              <a:ln>
-                <a:noFill/>
-              </a:ln>
-              <a:solidFill>
-                <a:schemeClr val="tx1"/>
-              </a:solidFill>
-              <a:effectLst/>
-              <a:latin typeface="Arial" pitchFamily="34" charset="0"/>
-            </a:endParaRPr>
-          </a:p>
-        </p:txBody>
-      </p:sp>
-      <p:pic>
-        <p:nvPicPr>
-          <p:cNvPr id="48" name="Picture 47"/>
-          <p:cNvPicPr>
-            <a:picLocks noChangeAspect="1"/>
-          </p:cNvPicPr>
-          <p:nvPr/>
-        </p:nvPicPr>
-        <p:blipFill>
-          <a:blip r:embed="rId6">
-            <a:extLst>
-              <a:ext uri="{28A0092B-C50C-407E-A947-70E740481C1C}">
-                <a14:useLocalDpi xmlns:a14="http://schemas.microsoft.com/office/drawing/2010/main" val="0"/>
-              </a:ext>
-            </a:extLst>
-          </a:blip>
-          <a:stretch>
-            <a:fillRect/>
-          </a:stretch>
-        </p:blipFill>
-        <p:spPr>
-          <a:xfrm rot="16809469">
-            <a:off x="10172577" y="13368359"/>
-            <a:ext cx="1853952" cy="1402824"/>
-          </a:xfrm>
-          <a:prstGeom prst="rect">
-            <a:avLst/>
-          </a:prstGeom>
-          <a:scene3d>
-            <a:camera prst="isometricRightUp"/>
-            <a:lightRig rig="threePt" dir="t"/>
-          </a:scene3d>
-        </p:spPr>
-      </p:pic>
-      <p:sp>
-        <p:nvSpPr>
-          <p:cNvPr id="50" name="Down Arrow 49"/>
-          <p:cNvSpPr/>
-          <p:nvPr/>
-        </p:nvSpPr>
-        <p:spPr bwMode="auto">
-          <a:xfrm rot="13231470">
-            <a:off x="11105302" y="12215417"/>
-            <a:ext cx="1330800" cy="1620028"/>
-          </a:xfrm>
-          <a:prstGeom prst="downArrow">
-            <a:avLst>
-              <a:gd name="adj1" fmla="val 10161"/>
-              <a:gd name="adj2" fmla="val 50000"/>
-            </a:avLst>
-          </a:prstGeom>
-          <a:solidFill>
-            <a:srgbClr val="FF0000"/>
-          </a:solidFill>
-          <a:ln w="9525" cap="sq" cmpd="sng" algn="ctr">
-            <a:solidFill>
-              <a:schemeClr val="tx1"/>
-            </a:solidFill>
-            <a:prstDash val="solid"/>
-            <a:bevel/>
-            <a:headEnd type="none" w="med" len="med"/>
-            <a:tailEnd type="none" w="med" len="med"/>
-          </a:ln>
-          <a:effectLst/>
-          <a:scene3d>
-            <a:camera prst="isometricOffAxis1Left"/>
-            <a:lightRig rig="threePt" dir="t"/>
-          </a:scene3d>
-          <a:extLst/>
-        </p:spPr>
-        <p:txBody>
-          <a:bodyPr vert="horz" wrap="square" lIns="91440" tIns="45720" rIns="91440" bIns="45720" numCol="1" rtlCol="1" anchor="t" anchorCtr="0" compatLnSpc="1">
-            <a:prstTxWarp prst="textNoShape">
-              <a:avLst/>
-            </a:prstTxWarp>
-          </a:bodyPr>
-          <a:lstStyle/>
-          <a:p>
-            <a:pPr marL="0" marR="0" indent="0" algn="l" defTabSz="914400" rtl="0" eaLnBrk="1" fontAlgn="base" latinLnBrk="0" hangingPunct="1">
-              <a:lnSpc>
-                <a:spcPct val="100000"/>
-              </a:lnSpc>
-              <a:spcBef>
-                <a:spcPct val="0"/>
-              </a:spcBef>
-              <a:spcAft>
-                <a:spcPct val="0"/>
-              </a:spcAft>
-              <a:buClrTx/>
-              <a:buSzTx/>
-              <a:buFontTx/>
-              <a:buNone/>
-              <a:tabLst/>
-            </a:pPr>
-            <a:endParaRPr kumimoji="0" lang="he-IL" sz="1800" b="0" i="0" u="none" strike="noStrike" cap="none" normalizeH="0" baseline="0" smtClean="0">
-              <a:ln>
-                <a:noFill/>
-              </a:ln>
-              <a:solidFill>
-                <a:schemeClr val="tx1"/>
-              </a:solidFill>
-              <a:effectLst/>
-              <a:latin typeface="Arial" pitchFamily="34" charset="0"/>
-            </a:endParaRPr>
-          </a:p>
-        </p:txBody>
-      </p:sp>
-      <p:sp>
-        <p:nvSpPr>
-          <p:cNvPr id="59" name="Down Arrow 58"/>
-          <p:cNvSpPr/>
-          <p:nvPr/>
-        </p:nvSpPr>
-        <p:spPr bwMode="auto">
-          <a:xfrm rot="18982554">
-            <a:off x="5674289" y="9244782"/>
-            <a:ext cx="641821" cy="1278309"/>
-          </a:xfrm>
-          <a:prstGeom prst="downArrow">
-            <a:avLst>
-              <a:gd name="adj1" fmla="val 10161"/>
-              <a:gd name="adj2" fmla="val 50000"/>
-            </a:avLst>
-          </a:prstGeom>
-          <a:solidFill>
-            <a:srgbClr val="FF0000"/>
-          </a:solidFill>
-          <a:ln w="9525" cap="sq" cmpd="sng" algn="ctr">
-            <a:solidFill>
-              <a:schemeClr val="tx1"/>
-            </a:solidFill>
-            <a:prstDash val="solid"/>
-            <a:bevel/>
-            <a:headEnd type="none" w="med" len="med"/>
-            <a:tailEnd type="none" w="med" len="med"/>
-          </a:ln>
-          <a:effectLst/>
-          <a:extLst/>
-        </p:spPr>
-        <p:txBody>
-          <a:bodyPr vert="horz" wrap="square" lIns="91440" tIns="45720" rIns="91440" bIns="45720" numCol="1" rtlCol="1" anchor="t" anchorCtr="0" compatLnSpc="1">
-            <a:prstTxWarp prst="textNoShape">
-              <a:avLst/>
-            </a:prstTxWarp>
-          </a:bodyPr>
-          <a:lstStyle/>
-          <a:p>
-            <a:pPr marL="0" marR="0" indent="0" algn="l" defTabSz="914400" rtl="0" eaLnBrk="1" fontAlgn="base" latinLnBrk="0" hangingPunct="1">
-              <a:lnSpc>
-                <a:spcPct val="100000"/>
-              </a:lnSpc>
-              <a:spcBef>
-                <a:spcPct val="0"/>
-              </a:spcBef>
-              <a:spcAft>
-                <a:spcPct val="0"/>
-              </a:spcAft>
-              <a:buClrTx/>
-              <a:buSzTx/>
-              <a:buFontTx/>
-              <a:buNone/>
-              <a:tabLst/>
-            </a:pPr>
-            <a:endParaRPr kumimoji="0" lang="he-IL" sz="1800" b="0" i="0" u="none" strike="noStrike" cap="none" normalizeH="0" baseline="0" smtClean="0">
-              <a:ln>
-                <a:noFill/>
-              </a:ln>
-              <a:solidFill>
-                <a:schemeClr val="tx1"/>
-              </a:solidFill>
-              <a:effectLst/>
-              <a:latin typeface="Arial" pitchFamily="34" charset="0"/>
             </a:endParaRPr>
           </a:p>
         </p:txBody>
@@ -10646,10 +9164,10 @@
         </p:nvGrpSpPr>
         <p:grpSpPr>
           <a:xfrm>
-            <a:off x="-1152003" y="17210087"/>
-            <a:ext cx="12673408" cy="6995259"/>
+            <a:off x="5514954" y="18938279"/>
+            <a:ext cx="11479059" cy="5688632"/>
             <a:chOff x="-1152003" y="16286337"/>
-            <a:chExt cx="17065896" cy="8164744"/>
+            <a:chExt cx="16229013" cy="8924989"/>
           </a:xfrm>
         </p:grpSpPr>
         <p:pic>
@@ -10661,7 +9179,7 @@
             <p:nvPr/>
           </p:nvPicPr>
           <p:blipFill>
-            <a:blip r:embed="rId7">
+            <a:blip r:embed="rId6" cstate="print">
               <a:extLst>
                 <a:ext uri="{28A0092B-C50C-407E-A947-70E740481C1C}">
                   <a14:useLocalDpi xmlns:a14="http://schemas.microsoft.com/office/drawing/2010/main" val="0"/>
@@ -10719,7 +9237,7 @@
             <p:nvPr/>
           </p:nvPicPr>
           <p:blipFill>
-            <a:blip r:embed="rId8">
+            <a:blip r:embed="rId7" cstate="print">
               <a:extLst>
                 <a:ext uri="{28A0092B-C50C-407E-A947-70E740481C1C}">
                   <a14:useLocalDpi xmlns:a14="http://schemas.microsoft.com/office/drawing/2010/main" val="0"/>
@@ -10777,7 +9295,7 @@
             <p:nvPr/>
           </p:nvPicPr>
           <p:blipFill>
-            <a:blip r:embed="rId9">
+            <a:blip r:embed="rId8" cstate="print">
               <a:extLst>
                 <a:ext uri="{28A0092B-C50C-407E-A947-70E740481C1C}">
                   <a14:useLocalDpi xmlns:a14="http://schemas.microsoft.com/office/drawing/2010/main" val="0"/>
@@ -10791,8 +9309,8 @@
           </p:blipFill>
           <p:spPr bwMode="auto">
             <a:xfrm>
-              <a:off x="4824661" y="18533144"/>
-              <a:ext cx="9729619" cy="5229671"/>
+              <a:off x="4285743" y="18533145"/>
+              <a:ext cx="9729620" cy="5229671"/>
             </a:xfrm>
             <a:prstGeom prst="rect">
               <a:avLst/>
@@ -10835,7 +9353,7 @@
             <p:nvPr/>
           </p:nvPicPr>
           <p:blipFill>
-            <a:blip r:embed="rId10">
+            <a:blip r:embed="rId9">
               <a:extLst>
                 <a:ext uri="{28A0092B-C50C-407E-A947-70E740481C1C}">
                   <a14:useLocalDpi xmlns:a14="http://schemas.microsoft.com/office/drawing/2010/main" val="0"/>
@@ -10849,8 +9367,8 @@
           </p:blipFill>
           <p:spPr bwMode="auto">
             <a:xfrm>
-              <a:off x="9446021" y="17498119"/>
-              <a:ext cx="6467872" cy="6952962"/>
+              <a:off x="8609139" y="18258366"/>
+              <a:ext cx="6467871" cy="6952960"/>
             </a:xfrm>
             <a:prstGeom prst="rect">
               <a:avLst/>
@@ -10885,60 +9403,1006 @@
           </p:spPr>
         </p:pic>
       </p:grpSp>
-      <p:pic>
-        <p:nvPicPr>
-          <p:cNvPr id="1032" name="Picture 8"/>
-          <p:cNvPicPr>
-            <a:picLocks noChangeAspect="1" noChangeArrowheads="1"/>
-          </p:cNvPicPr>
+      <p:grpSp>
+        <p:nvGrpSpPr>
+          <p:cNvPr id="7" name="Group 6"/>
+          <p:cNvGrpSpPr/>
           <p:nvPr/>
-        </p:nvPicPr>
-        <p:blipFill>
-          <a:blip r:embed="rId11">
+        </p:nvGrpSpPr>
+        <p:grpSpPr>
+          <a:xfrm>
+            <a:off x="347740" y="10896873"/>
+            <a:ext cx="17099597" cy="6313214"/>
+            <a:chOff x="347740" y="12752857"/>
+            <a:chExt cx="17099597" cy="6313214"/>
+          </a:xfrm>
+        </p:grpSpPr>
+        <p:pic>
+          <p:nvPicPr>
+            <p:cNvPr id="1026" name="Picture 2"/>
+            <p:cNvPicPr>
+              <a:picLocks noChangeAspect="1" noChangeArrowheads="1"/>
+            </p:cNvPicPr>
+            <p:nvPr/>
+          </p:nvPicPr>
+          <p:blipFill>
+            <a:blip r:embed="rId10">
+              <a:extLst>
+                <a:ext uri="{28A0092B-C50C-407E-A947-70E740481C1C}">
+                  <a14:useLocalDpi xmlns:a14="http://schemas.microsoft.com/office/drawing/2010/main" val="0"/>
+                </a:ext>
+              </a:extLst>
+            </a:blip>
+            <a:srcRect/>
+            <a:stretch>
+              <a:fillRect/>
+            </a:stretch>
+          </p:blipFill>
+          <p:spPr bwMode="auto">
+            <a:xfrm>
+              <a:off x="14439391" y="13033623"/>
+              <a:ext cx="3007946" cy="5763612"/>
+            </a:xfrm>
+            <a:prstGeom prst="rect">
+              <a:avLst/>
+            </a:prstGeom>
+            <a:noFill/>
+            <a:ln>
+              <a:noFill/>
+            </a:ln>
+            <a:effectLst/>
             <a:extLst>
-              <a:ext uri="{28A0092B-C50C-407E-A947-70E740481C1C}">
-                <a14:useLocalDpi xmlns:a14="http://schemas.microsoft.com/office/drawing/2010/main" val="0"/>
+              <a:ext uri="{909E8E84-426E-40DD-AFC4-6F175D3DCCD1}">
+                <a14:hiddenFill xmlns:a14="http://schemas.microsoft.com/office/drawing/2010/main">
+                  <a:solidFill>
+                    <a:schemeClr val="accent1"/>
+                  </a:solidFill>
+                </a14:hiddenFill>
+              </a:ext>
+              <a:ext uri="{91240B29-F687-4F45-9708-019B960494DF}">
+                <a14:hiddenLine xmlns:a14="http://schemas.microsoft.com/office/drawing/2010/main" w="9525">
+                  <a:solidFill>
+                    <a:schemeClr val="tx1"/>
+                  </a:solidFill>
+                  <a:miter lim="800000"/>
+                  <a:headEnd/>
+                  <a:tailEnd/>
+                </a14:hiddenLine>
+              </a:ext>
+              <a:ext uri="{AF507438-7753-43E0-B8FC-AC1667EBCBE1}">
+                <a14:hiddenEffects xmlns:a14="http://schemas.microsoft.com/office/drawing/2010/main">
+                  <a:effectLst>
+                    <a:outerShdw dist="35921" dir="2700000" algn="ctr" rotWithShape="0">
+                      <a:schemeClr val="bg2"/>
+                    </a:outerShdw>
+                  </a:effectLst>
+                </a14:hiddenEffects>
               </a:ext>
             </a:extLst>
-          </a:blip>
-          <a:srcRect/>
-          <a:stretch>
-            <a:fillRect/>
-          </a:stretch>
-        </p:blipFill>
+          </p:spPr>
+        </p:pic>
+        <p:pic>
+          <p:nvPicPr>
+            <p:cNvPr id="4" name="Picture 4"/>
+            <p:cNvPicPr>
+              <a:picLocks noChangeAspect="1" noChangeArrowheads="1"/>
+            </p:cNvPicPr>
+            <p:nvPr/>
+          </p:nvPicPr>
+          <p:blipFill>
+            <a:blip r:embed="rId11">
+              <a:extLst>
+                <a:ext uri="{28A0092B-C50C-407E-A947-70E740481C1C}">
+                  <a14:useLocalDpi xmlns:a14="http://schemas.microsoft.com/office/drawing/2010/main" val="0"/>
+                </a:ext>
+              </a:extLst>
+            </a:blip>
+            <a:srcRect/>
+            <a:stretch>
+              <a:fillRect/>
+            </a:stretch>
+          </p:blipFill>
+          <p:spPr bwMode="auto">
+            <a:xfrm>
+              <a:off x="7623706" y="13897719"/>
+              <a:ext cx="3330749" cy="3389874"/>
+            </a:xfrm>
+            <a:prstGeom prst="rect">
+              <a:avLst/>
+            </a:prstGeom>
+            <a:noFill/>
+            <a:ln>
+              <a:noFill/>
+            </a:ln>
+            <a:effectLst/>
+            <a:extLst>
+              <a:ext uri="{909E8E84-426E-40DD-AFC4-6F175D3DCCD1}">
+                <a14:hiddenFill xmlns:a14="http://schemas.microsoft.com/office/drawing/2010/main">
+                  <a:solidFill>
+                    <a:schemeClr val="accent1"/>
+                  </a:solidFill>
+                </a14:hiddenFill>
+              </a:ext>
+              <a:ext uri="{91240B29-F687-4F45-9708-019B960494DF}">
+                <a14:hiddenLine xmlns:a14="http://schemas.microsoft.com/office/drawing/2010/main" w="9525">
+                  <a:solidFill>
+                    <a:schemeClr val="tx1"/>
+                  </a:solidFill>
+                  <a:miter lim="800000"/>
+                  <a:headEnd/>
+                  <a:tailEnd/>
+                </a14:hiddenLine>
+              </a:ext>
+              <a:ext uri="{AF507438-7753-43E0-B8FC-AC1667EBCBE1}">
+                <a14:hiddenEffects xmlns:a14="http://schemas.microsoft.com/office/drawing/2010/main">
+                  <a:effectLst>
+                    <a:outerShdw dist="35921" dir="2700000" algn="ctr" rotWithShape="0">
+                      <a:schemeClr val="bg2"/>
+                    </a:outerShdw>
+                  </a:effectLst>
+                </a14:hiddenEffects>
+              </a:ext>
+            </a:extLst>
+          </p:spPr>
+        </p:pic>
+        <p:sp>
+          <p:nvSpPr>
+            <p:cNvPr id="6" name="Left Arrow 5"/>
+            <p:cNvSpPr/>
+            <p:nvPr/>
+          </p:nvSpPr>
+          <p:spPr bwMode="auto">
+            <a:xfrm>
+              <a:off x="10989255" y="14545791"/>
+              <a:ext cx="3354196" cy="2114577"/>
+            </a:xfrm>
+            <a:prstGeom prst="leftArrow">
+              <a:avLst/>
+            </a:prstGeom>
+            <a:solidFill>
+              <a:schemeClr val="accent6">
+                <a:lumMod val="60000"/>
+                <a:lumOff val="40000"/>
+              </a:schemeClr>
+            </a:solidFill>
+            <a:ln w="9525" cap="flat" cmpd="sng" algn="ctr">
+              <a:solidFill>
+                <a:schemeClr val="tx1"/>
+              </a:solidFill>
+              <a:prstDash val="solid"/>
+              <a:round/>
+              <a:headEnd type="none" w="med" len="med"/>
+              <a:tailEnd type="none" w="med" len="med"/>
+            </a:ln>
+            <a:effectLst/>
+            <a:extLst/>
+          </p:spPr>
+          <p:txBody>
+            <a:bodyPr vert="horz" wrap="square" lIns="91440" tIns="45720" rIns="91440" bIns="45720" numCol="1" rtlCol="1" anchor="t" anchorCtr="0" compatLnSpc="1">
+              <a:prstTxWarp prst="textNoShape">
+                <a:avLst/>
+              </a:prstTxWarp>
+            </a:bodyPr>
+            <a:lstStyle/>
+            <a:p>
+              <a:pPr marL="0" marR="0" indent="0" algn="r" defTabSz="914400" rtl="0" eaLnBrk="1" fontAlgn="base" latinLnBrk="0" hangingPunct="1">
+                <a:lnSpc>
+                  <a:spcPct val="100000"/>
+                </a:lnSpc>
+                <a:spcBef>
+                  <a:spcPct val="0"/>
+                </a:spcBef>
+                <a:spcAft>
+                  <a:spcPct val="0"/>
+                </a:spcAft>
+                <a:buClrTx/>
+                <a:buSzTx/>
+                <a:buFontTx/>
+                <a:buNone/>
+                <a:tabLst/>
+              </a:pPr>
+              <a:r>
+                <a:rPr lang="he-IL" sz="3600" dirty="0" smtClean="0"/>
+                <a:t>יצירת אינדקס</a:t>
+              </a:r>
+              <a:endParaRPr kumimoji="0" lang="he-IL" sz="3600" b="0" i="0" u="none" strike="noStrike" cap="none" normalizeH="0" baseline="0" dirty="0" smtClean="0">
+                <a:ln>
+                  <a:noFill/>
+                </a:ln>
+                <a:solidFill>
+                  <a:schemeClr val="tx1"/>
+                </a:solidFill>
+                <a:effectLst/>
+              </a:endParaRPr>
+            </a:p>
+          </p:txBody>
+        </p:sp>
+        <mc:AlternateContent xmlns:mc="http://schemas.openxmlformats.org/markup-compatibility/2006">
+          <mc:Choice xmlns:a14="http://schemas.microsoft.com/office/drawing/2010/main" Requires="a14">
+            <p:sp>
+              <p:nvSpPr>
+                <p:cNvPr id="37" name="Left Arrow 36"/>
+                <p:cNvSpPr/>
+                <p:nvPr/>
+              </p:nvSpPr>
+              <p:spPr bwMode="auto">
+                <a:xfrm>
+                  <a:off x="3334581" y="14329767"/>
+                  <a:ext cx="3935263" cy="2251135"/>
+                </a:xfrm>
+                <a:prstGeom prst="leftArrow">
+                  <a:avLst/>
+                </a:prstGeom>
+                <a:solidFill>
+                  <a:schemeClr val="accent6">
+                    <a:lumMod val="60000"/>
+                    <a:lumOff val="40000"/>
+                  </a:schemeClr>
+                </a:solidFill>
+                <a:ln w="9525" cap="flat" cmpd="sng" algn="ctr">
+                  <a:solidFill>
+                    <a:schemeClr val="tx1"/>
+                  </a:solidFill>
+                  <a:prstDash val="solid"/>
+                  <a:round/>
+                  <a:headEnd type="none" w="med" len="med"/>
+                  <a:tailEnd type="none" w="med" len="med"/>
+                </a:ln>
+                <a:effectLst/>
+                <a:extLst/>
+              </p:spPr>
+              <p:txBody>
+                <a:bodyPr vert="horz" wrap="square" lIns="91440" tIns="45720" rIns="91440" bIns="45720" numCol="1" rtlCol="1" anchor="t" anchorCtr="0" compatLnSpc="1">
+                  <a:prstTxWarp prst="textNoShape">
+                    <a:avLst/>
+                  </a:prstTxWarp>
+                </a:bodyPr>
+                <a:lstStyle/>
+                <a:p>
+                  <a:pPr algn="r" rtl="1"/>
+                  <a:r>
+                    <a:rPr lang="he-IL" sz="3600" dirty="0" smtClean="0"/>
+                    <a:t>איתור מיקום דגימות ב </a:t>
+                  </a:r>
+                  <a14:m>
+                    <m:oMath xmlns:m="http://schemas.openxmlformats.org/officeDocument/2006/math">
+                      <m:r>
+                        <a:rPr lang="he-IL" sz="3600" i="1">
+                          <a:latin typeface="Cambria Math"/>
+                        </a:rPr>
+                        <m:t>𝜃</m:t>
+                      </m:r>
+                      <m:r>
+                        <a:rPr lang="en-US" sz="3600" i="1">
+                          <a:latin typeface="Cambria Math"/>
+                        </a:rPr>
+                        <m:t>(</m:t>
+                      </m:r>
+                      <m:d>
+                        <m:dPr>
+                          <m:begChr m:val="|"/>
+                          <m:endChr m:val="|"/>
+                          <m:ctrlPr>
+                            <a:rPr lang="en-US" sz="3600" i="1">
+                              <a:latin typeface="Cambria Math"/>
+                            </a:rPr>
+                          </m:ctrlPr>
+                        </m:dPr>
+                        <m:e>
+                          <m:r>
+                            <a:rPr lang="en-US" sz="3600" i="1">
+                              <a:latin typeface="Cambria Math"/>
+                            </a:rPr>
+                            <m:t>𝑤</m:t>
+                          </m:r>
+                        </m:e>
+                      </m:d>
+                      <m:r>
+                        <a:rPr lang="en-US" sz="3600" i="1">
+                          <a:latin typeface="Cambria Math"/>
+                        </a:rPr>
+                        <m:t>)</m:t>
+                      </m:r>
+                    </m:oMath>
+                  </a14:m>
+                  <a:endParaRPr lang="he-IL" sz="3600" dirty="0"/>
+                </a:p>
+                <a:p>
+                  <a:pPr algn="r" rtl="1"/>
+                  <a:endParaRPr kumimoji="0" lang="he-IL" sz="3600" b="0" i="0" u="none" strike="noStrike" cap="none" normalizeH="0" baseline="0" dirty="0" smtClean="0">
+                    <a:ln>
+                      <a:noFill/>
+                    </a:ln>
+                    <a:solidFill>
+                      <a:schemeClr val="tx1"/>
+                    </a:solidFill>
+                    <a:effectLst/>
+                  </a:endParaRPr>
+                </a:p>
+              </p:txBody>
+            </p:sp>
+          </mc:Choice>
+          <mc:Fallback>
+            <p:sp>
+              <p:nvSpPr>
+                <p:cNvPr id="37" name="Left Arrow 36"/>
+                <p:cNvSpPr>
+                  <a:spLocks noRot="1" noChangeAspect="1" noMove="1" noResize="1" noEditPoints="1" noAdjustHandles="1" noChangeArrowheads="1" noChangeShapeType="1" noTextEdit="1"/>
+                </p:cNvSpPr>
+                <p:nvPr/>
+              </p:nvSpPr>
+              <p:spPr bwMode="auto">
+                <a:xfrm>
+                  <a:off x="3334581" y="14329767"/>
+                  <a:ext cx="3935263" cy="2251135"/>
+                </a:xfrm>
+                <a:prstGeom prst="leftArrow">
+                  <a:avLst/>
+                </a:prstGeom>
+                <a:blipFill rotWithShape="1">
+                  <a:blip r:embed="rId12"/>
+                  <a:stretch>
+                    <a:fillRect r="-4475"/>
+                  </a:stretch>
+                </a:blipFill>
+                <a:ln w="9525" cap="flat" cmpd="sng" algn="ctr">
+                  <a:solidFill>
+                    <a:schemeClr val="tx1"/>
+                  </a:solidFill>
+                  <a:prstDash val="solid"/>
+                  <a:round/>
+                  <a:headEnd type="none" w="med" len="med"/>
+                  <a:tailEnd type="none" w="med" len="med"/>
+                </a:ln>
+                <a:effectLst/>
+                <a:extLst/>
+              </p:spPr>
+              <p:txBody>
+                <a:bodyPr/>
+                <a:lstStyle/>
+                <a:p>
+                  <a:r>
+                    <a:rPr lang="he-IL">
+                      <a:noFill/>
+                    </a:rPr>
+                    <a:t> </a:t>
+                  </a:r>
+                </a:p>
+              </p:txBody>
+            </p:sp>
+          </mc:Fallback>
+        </mc:AlternateContent>
+        <p:pic>
+          <p:nvPicPr>
+            <p:cNvPr id="40" name="Picture 2"/>
+            <p:cNvPicPr>
+              <a:picLocks noChangeAspect="1" noChangeArrowheads="1"/>
+            </p:cNvPicPr>
+            <p:nvPr/>
+          </p:nvPicPr>
+          <p:blipFill>
+            <a:blip r:embed="rId10">
+              <a:extLst>
+                <a:ext uri="{28A0092B-C50C-407E-A947-70E740481C1C}">
+                  <a14:useLocalDpi xmlns:a14="http://schemas.microsoft.com/office/drawing/2010/main" val="0"/>
+                </a:ext>
+              </a:extLst>
+            </a:blip>
+            <a:srcRect/>
+            <a:stretch>
+              <a:fillRect/>
+            </a:stretch>
+          </p:blipFill>
+          <p:spPr bwMode="auto">
+            <a:xfrm>
+              <a:off x="793606" y="13302459"/>
+              <a:ext cx="3007946" cy="5763612"/>
+            </a:xfrm>
+            <a:prstGeom prst="rect">
+              <a:avLst/>
+            </a:prstGeom>
+            <a:noFill/>
+            <a:ln>
+              <a:noFill/>
+            </a:ln>
+            <a:effectLst/>
+            <a:extLst>
+              <a:ext uri="{909E8E84-426E-40DD-AFC4-6F175D3DCCD1}">
+                <a14:hiddenFill xmlns:a14="http://schemas.microsoft.com/office/drawing/2010/main">
+                  <a:solidFill>
+                    <a:schemeClr val="accent1"/>
+                  </a:solidFill>
+                </a14:hiddenFill>
+              </a:ext>
+              <a:ext uri="{91240B29-F687-4F45-9708-019B960494DF}">
+                <a14:hiddenLine xmlns:a14="http://schemas.microsoft.com/office/drawing/2010/main" w="9525">
+                  <a:solidFill>
+                    <a:schemeClr val="tx1"/>
+                  </a:solidFill>
+                  <a:miter lim="800000"/>
+                  <a:headEnd/>
+                  <a:tailEnd/>
+                </a14:hiddenLine>
+              </a:ext>
+              <a:ext uri="{AF507438-7753-43E0-B8FC-AC1667EBCBE1}">
+                <a14:hiddenEffects xmlns:a14="http://schemas.microsoft.com/office/drawing/2010/main">
+                  <a:effectLst>
+                    <a:outerShdw dist="35921" dir="2700000" algn="ctr" rotWithShape="0">
+                      <a:schemeClr val="bg2"/>
+                    </a:outerShdw>
+                  </a:effectLst>
+                </a14:hiddenEffects>
+              </a:ext>
+            </a:extLst>
+          </p:spPr>
+        </p:pic>
+        <p:pic>
+          <p:nvPicPr>
+            <p:cNvPr id="42" name="Picture 41"/>
+            <p:cNvPicPr>
+              <a:picLocks noChangeAspect="1"/>
+            </p:cNvPicPr>
+            <p:nvPr/>
+          </p:nvPicPr>
+          <p:blipFill>
+            <a:blip r:embed="rId13" cstate="print">
+              <a:extLst>
+                <a:ext uri="{28A0092B-C50C-407E-A947-70E740481C1C}">
+                  <a14:useLocalDpi xmlns:a14="http://schemas.microsoft.com/office/drawing/2010/main" val="0"/>
+                </a:ext>
+              </a:extLst>
+            </a:blip>
+            <a:stretch>
+              <a:fillRect/>
+            </a:stretch>
+          </p:blipFill>
+          <p:spPr>
+            <a:xfrm rot="3656354">
+              <a:off x="5196740" y="12882354"/>
+              <a:ext cx="658431" cy="891733"/>
+            </a:xfrm>
+            <a:prstGeom prst="rect">
+              <a:avLst/>
+            </a:prstGeom>
+          </p:spPr>
+        </p:pic>
+        <p:sp>
+          <p:nvSpPr>
+            <p:cNvPr id="43" name="Down Arrow 42"/>
+            <p:cNvSpPr/>
+            <p:nvPr/>
+          </p:nvSpPr>
+          <p:spPr bwMode="auto">
+            <a:xfrm rot="4603137">
+              <a:off x="4034782" y="13054634"/>
+              <a:ext cx="652920" cy="1557099"/>
+            </a:xfrm>
+            <a:prstGeom prst="downArrow">
+              <a:avLst>
+                <a:gd name="adj1" fmla="val 10161"/>
+                <a:gd name="adj2" fmla="val 50000"/>
+              </a:avLst>
+            </a:prstGeom>
+            <a:solidFill>
+              <a:srgbClr val="FF0000"/>
+            </a:solidFill>
+            <a:ln w="9525" cap="sq" cmpd="sng" algn="ctr">
+              <a:solidFill>
+                <a:schemeClr val="tx1"/>
+              </a:solidFill>
+              <a:prstDash val="solid"/>
+              <a:bevel/>
+              <a:headEnd type="none" w="med" len="med"/>
+              <a:tailEnd type="none" w="med" len="med"/>
+            </a:ln>
+            <a:effectLst/>
+            <a:scene3d>
+              <a:camera prst="isometricRightUp"/>
+              <a:lightRig rig="threePt" dir="t"/>
+            </a:scene3d>
+            <a:extLst/>
+          </p:spPr>
+          <p:txBody>
+            <a:bodyPr vert="horz" wrap="square" lIns="91440" tIns="45720" rIns="91440" bIns="45720" numCol="1" rtlCol="1" anchor="t" anchorCtr="0" compatLnSpc="1">
+              <a:prstTxWarp prst="textNoShape">
+                <a:avLst/>
+              </a:prstTxWarp>
+            </a:bodyPr>
+            <a:lstStyle/>
+            <a:p>
+              <a:pPr marL="0" marR="0" indent="0" algn="l" defTabSz="914400" rtl="0" eaLnBrk="1" fontAlgn="base" latinLnBrk="0" hangingPunct="1">
+                <a:lnSpc>
+                  <a:spcPct val="100000"/>
+                </a:lnSpc>
+                <a:spcBef>
+                  <a:spcPct val="0"/>
+                </a:spcBef>
+                <a:spcAft>
+                  <a:spcPct val="0"/>
+                </a:spcAft>
+                <a:buClrTx/>
+                <a:buSzTx/>
+                <a:buFontTx/>
+                <a:buNone/>
+                <a:tabLst/>
+              </a:pPr>
+              <a:endParaRPr kumimoji="0" lang="he-IL" sz="1800" b="0" i="0" u="none" strike="noStrike" cap="none" normalizeH="0" baseline="0" smtClean="0">
+                <a:ln>
+                  <a:noFill/>
+                </a:ln>
+                <a:solidFill>
+                  <a:schemeClr val="tx1"/>
+                </a:solidFill>
+                <a:effectLst/>
+                <a:latin typeface="Arial" pitchFamily="34" charset="0"/>
+              </a:endParaRPr>
+            </a:p>
+          </p:txBody>
+        </p:sp>
+        <p:pic>
+          <p:nvPicPr>
+            <p:cNvPr id="44" name="Picture 43"/>
+            <p:cNvPicPr>
+              <a:picLocks noChangeAspect="1"/>
+            </p:cNvPicPr>
+            <p:nvPr/>
+          </p:nvPicPr>
+          <p:blipFill>
+            <a:blip r:embed="rId13" cstate="print">
+              <a:extLst>
+                <a:ext uri="{28A0092B-C50C-407E-A947-70E740481C1C}">
+                  <a14:useLocalDpi xmlns:a14="http://schemas.microsoft.com/office/drawing/2010/main" val="0"/>
+                </a:ext>
+              </a:extLst>
+            </a:blip>
+            <a:stretch>
+              <a:fillRect/>
+            </a:stretch>
+          </p:blipFill>
+          <p:spPr>
+            <a:xfrm rot="3656354">
+              <a:off x="4017807" y="17123973"/>
+              <a:ext cx="658431" cy="891733"/>
+            </a:xfrm>
+            <a:prstGeom prst="rect">
+              <a:avLst/>
+            </a:prstGeom>
+          </p:spPr>
+        </p:pic>
+        <p:sp>
+          <p:nvSpPr>
+            <p:cNvPr id="45" name="Down Arrow 44"/>
+            <p:cNvSpPr/>
+            <p:nvPr/>
+          </p:nvSpPr>
+          <p:spPr bwMode="auto">
+            <a:xfrm rot="6815106">
+              <a:off x="3012222" y="16869844"/>
+              <a:ext cx="644720" cy="866731"/>
+            </a:xfrm>
+            <a:prstGeom prst="downArrow">
+              <a:avLst>
+                <a:gd name="adj1" fmla="val 10161"/>
+                <a:gd name="adj2" fmla="val 50000"/>
+              </a:avLst>
+            </a:prstGeom>
+            <a:solidFill>
+              <a:srgbClr val="FF0000"/>
+            </a:solidFill>
+            <a:ln w="9525" cap="sq" cmpd="sng" algn="ctr">
+              <a:solidFill>
+                <a:schemeClr val="tx1"/>
+              </a:solidFill>
+              <a:prstDash val="solid"/>
+              <a:bevel/>
+              <a:headEnd type="none" w="med" len="med"/>
+              <a:tailEnd type="none" w="med" len="med"/>
+            </a:ln>
+            <a:effectLst/>
+            <a:scene3d>
+              <a:camera prst="isometricRightUp"/>
+              <a:lightRig rig="threePt" dir="t"/>
+            </a:scene3d>
+            <a:extLst/>
+          </p:spPr>
+          <p:txBody>
+            <a:bodyPr vert="horz" wrap="square" lIns="91440" tIns="45720" rIns="91440" bIns="45720" numCol="1" rtlCol="1" anchor="t" anchorCtr="0" compatLnSpc="1">
+              <a:prstTxWarp prst="textNoShape">
+                <a:avLst/>
+              </a:prstTxWarp>
+            </a:bodyPr>
+            <a:lstStyle/>
+            <a:p>
+              <a:pPr marL="0" marR="0" indent="0" algn="l" defTabSz="914400" rtl="0" eaLnBrk="1" fontAlgn="base" latinLnBrk="0" hangingPunct="1">
+                <a:lnSpc>
+                  <a:spcPct val="100000"/>
+                </a:lnSpc>
+                <a:spcBef>
+                  <a:spcPct val="0"/>
+                </a:spcBef>
+                <a:spcAft>
+                  <a:spcPct val="0"/>
+                </a:spcAft>
+                <a:buClrTx/>
+                <a:buSzTx/>
+                <a:buFontTx/>
+                <a:buNone/>
+                <a:tabLst/>
+              </a:pPr>
+              <a:endParaRPr kumimoji="0" lang="he-IL" sz="1800" b="0" i="0" u="none" strike="noStrike" cap="none" normalizeH="0" baseline="0" smtClean="0">
+                <a:ln>
+                  <a:noFill/>
+                </a:ln>
+                <a:solidFill>
+                  <a:schemeClr val="tx1"/>
+                </a:solidFill>
+                <a:effectLst/>
+                <a:latin typeface="Arial" pitchFamily="34" charset="0"/>
+              </a:endParaRPr>
+            </a:p>
+          </p:txBody>
+        </p:sp>
+        <p:pic>
+          <p:nvPicPr>
+            <p:cNvPr id="46" name="Picture 45"/>
+            <p:cNvPicPr>
+              <a:picLocks noChangeAspect="1"/>
+            </p:cNvPicPr>
+            <p:nvPr/>
+          </p:nvPicPr>
+          <p:blipFill>
+            <a:blip r:embed="rId13" cstate="print">
+              <a:extLst>
+                <a:ext uri="{28A0092B-C50C-407E-A947-70E740481C1C}">
+                  <a14:useLocalDpi xmlns:a14="http://schemas.microsoft.com/office/drawing/2010/main" val="0"/>
+                </a:ext>
+              </a:extLst>
+            </a:blip>
+            <a:stretch>
+              <a:fillRect/>
+            </a:stretch>
+          </p:blipFill>
+          <p:spPr>
+            <a:xfrm rot="3656354">
+              <a:off x="464391" y="12636206"/>
+              <a:ext cx="658431" cy="891733"/>
+            </a:xfrm>
+            <a:prstGeom prst="rect">
+              <a:avLst/>
+            </a:prstGeom>
+          </p:spPr>
+        </p:pic>
+        <p:sp>
+          <p:nvSpPr>
+            <p:cNvPr id="47" name="Down Arrow 46"/>
+            <p:cNvSpPr/>
+            <p:nvPr/>
+          </p:nvSpPr>
+          <p:spPr bwMode="auto">
+            <a:xfrm>
+              <a:off x="795565" y="13030988"/>
+              <a:ext cx="644720" cy="866731"/>
+            </a:xfrm>
+            <a:prstGeom prst="downArrow">
+              <a:avLst>
+                <a:gd name="adj1" fmla="val 10161"/>
+                <a:gd name="adj2" fmla="val 50000"/>
+              </a:avLst>
+            </a:prstGeom>
+            <a:solidFill>
+              <a:srgbClr val="FF0000"/>
+            </a:solidFill>
+            <a:ln w="9525" cap="sq" cmpd="sng" algn="ctr">
+              <a:solidFill>
+                <a:schemeClr val="tx1"/>
+              </a:solidFill>
+              <a:prstDash val="solid"/>
+              <a:bevel/>
+              <a:headEnd type="none" w="med" len="med"/>
+              <a:tailEnd type="none" w="med" len="med"/>
+            </a:ln>
+            <a:effectLst/>
+            <a:scene3d>
+              <a:camera prst="isometricOffAxis1Top"/>
+              <a:lightRig rig="threePt" dir="t"/>
+            </a:scene3d>
+            <a:extLst/>
+          </p:spPr>
+          <p:txBody>
+            <a:bodyPr vert="horz" wrap="square" lIns="91440" tIns="45720" rIns="91440" bIns="45720" numCol="1" rtlCol="1" anchor="t" anchorCtr="0" compatLnSpc="1">
+              <a:prstTxWarp prst="textNoShape">
+                <a:avLst/>
+              </a:prstTxWarp>
+            </a:bodyPr>
+            <a:lstStyle/>
+            <a:p>
+              <a:pPr marL="0" marR="0" indent="0" algn="l" defTabSz="914400" rtl="0" eaLnBrk="1" fontAlgn="base" latinLnBrk="0" hangingPunct="1">
+                <a:lnSpc>
+                  <a:spcPct val="100000"/>
+                </a:lnSpc>
+                <a:spcBef>
+                  <a:spcPct val="0"/>
+                </a:spcBef>
+                <a:spcAft>
+                  <a:spcPct val="0"/>
+                </a:spcAft>
+                <a:buClrTx/>
+                <a:buSzTx/>
+                <a:buFontTx/>
+                <a:buNone/>
+                <a:tabLst/>
+              </a:pPr>
+              <a:endParaRPr kumimoji="0" lang="he-IL" sz="1800" b="0" i="0" u="none" strike="noStrike" cap="none" normalizeH="0" baseline="0" smtClean="0">
+                <a:ln>
+                  <a:noFill/>
+                </a:ln>
+                <a:solidFill>
+                  <a:schemeClr val="tx1"/>
+                </a:solidFill>
+                <a:effectLst/>
+                <a:latin typeface="Arial" pitchFamily="34" charset="0"/>
+              </a:endParaRPr>
+            </a:p>
+          </p:txBody>
+        </p:sp>
+      </p:grpSp>
+      <p:sp>
+        <p:nvSpPr>
+          <p:cNvPr id="52" name="Rectangle 2"/>
+          <p:cNvSpPr txBox="1">
+            <a:spLocks noChangeArrowheads="1"/>
+          </p:cNvSpPr>
+          <p:nvPr/>
+        </p:nvSpPr>
         <p:spPr bwMode="auto">
           <a:xfrm>
-            <a:off x="12225411" y="17931172"/>
-            <a:ext cx="5200650" cy="6591300"/>
+            <a:off x="288157" y="8209087"/>
+            <a:ext cx="17153656" cy="1911292"/>
           </a:xfrm>
           <a:prstGeom prst="rect">
             <a:avLst/>
           </a:prstGeom>
           <a:noFill/>
-          <a:ln>
-            <a:noFill/>
-          </a:ln>
+          <a:effectLst>
+            <a:glow rad="228600">
+              <a:schemeClr val="accent2">
+                <a:satMod val="175000"/>
+                <a:alpha val="40000"/>
+              </a:schemeClr>
+            </a:glow>
+          </a:effectLst>
           <a:extLst>
             <a:ext uri="{909E8E84-426E-40DD-AFC4-6F175D3DCCD1}">
               <a14:hiddenFill xmlns:a14="http://schemas.microsoft.com/office/drawing/2010/main">
                 <a:solidFill>
-                  <a:schemeClr val="accent1"/>
+                  <a:srgbClr val="7AA1FF"/>
                 </a:solidFill>
               </a14:hiddenFill>
             </a:ext>
-            <a:ext uri="{91240B29-F687-4F45-9708-019B960494DF}">
-              <a14:hiddenLine xmlns:a14="http://schemas.microsoft.com/office/drawing/2010/main" w="9525">
-                <a:solidFill>
-                  <a:schemeClr val="tx1"/>
-                </a:solidFill>
-                <a:miter lim="800000"/>
-                <a:headEnd/>
-                <a:tailEnd/>
-              </a14:hiddenLine>
+            <a:ext uri="{AF507438-7753-43E0-B8FC-AC1667EBCBE1}">
+              <a14:hiddenEffects xmlns:a14="http://schemas.microsoft.com/office/drawing/2010/main">
+                <a:effectLst>
+                  <a:outerShdw dist="35921" dir="2700000" algn="ctr" rotWithShape="0">
+                    <a:schemeClr val="bg2"/>
+                  </a:outerShdw>
+                </a:effectLst>
+              </a14:hiddenEffects>
             </a:ext>
           </a:extLst>
         </p:spPr>
-      </p:pic>
+        <p:style>
+          <a:lnRef idx="2">
+            <a:schemeClr val="accent3"/>
+          </a:lnRef>
+          <a:fillRef idx="1">
+            <a:schemeClr val="lt1"/>
+          </a:fillRef>
+          <a:effectRef idx="0">
+            <a:schemeClr val="accent3"/>
+          </a:effectRef>
+          <a:fontRef idx="minor">
+            <a:schemeClr val="dk1"/>
+          </a:fontRef>
+        </p:style>
+        <p:txBody>
+          <a:bodyPr vert="horz" wrap="square" lIns="246888" tIns="123444" rIns="246888" bIns="123444" numCol="1" anchor="b" anchorCtr="0" compatLnSpc="1">
+            <a:prstTxWarp prst="textNoShape">
+              <a:avLst/>
+            </a:prstTxWarp>
+            <a:spAutoFit/>
+          </a:bodyPr>
+          <a:lstStyle>
+            <a:lvl1pPr algn="l" rtl="1" eaLnBrk="1" fontAlgn="base" hangingPunct="1">
+              <a:spcBef>
+                <a:spcPct val="0"/>
+              </a:spcBef>
+              <a:spcAft>
+                <a:spcPct val="0"/>
+              </a:spcAft>
+              <a:buClr>
+                <a:schemeClr val="tx1"/>
+              </a:buClr>
+              <a:defRPr sz="8600">
+                <a:solidFill>
+                  <a:schemeClr val="dk1"/>
+                </a:solidFill>
+                <a:latin typeface="+mn-lt"/>
+                <a:ea typeface="+mn-ea"/>
+                <a:cs typeface="+mn-cs"/>
+              </a:defRPr>
+            </a:lvl1pPr>
+            <a:lvl2pPr algn="l" rtl="1" eaLnBrk="1" fontAlgn="base" hangingPunct="1">
+              <a:spcBef>
+                <a:spcPct val="0"/>
+              </a:spcBef>
+              <a:spcAft>
+                <a:spcPct val="0"/>
+              </a:spcAft>
+              <a:buClr>
+                <a:schemeClr val="tx1"/>
+              </a:buClr>
+              <a:defRPr sz="8600">
+                <a:solidFill>
+                  <a:schemeClr val="dk1"/>
+                </a:solidFill>
+                <a:latin typeface="+mn-lt"/>
+                <a:ea typeface="+mn-ea"/>
+                <a:cs typeface="+mn-cs"/>
+              </a:defRPr>
+            </a:lvl2pPr>
+            <a:lvl3pPr algn="l" rtl="1" eaLnBrk="1" fontAlgn="base" hangingPunct="1">
+              <a:spcBef>
+                <a:spcPct val="0"/>
+              </a:spcBef>
+              <a:spcAft>
+                <a:spcPct val="0"/>
+              </a:spcAft>
+              <a:buClr>
+                <a:schemeClr val="tx1"/>
+              </a:buClr>
+              <a:defRPr sz="8600">
+                <a:solidFill>
+                  <a:schemeClr val="dk1"/>
+                </a:solidFill>
+                <a:latin typeface="+mn-lt"/>
+                <a:ea typeface="+mn-ea"/>
+                <a:cs typeface="+mn-cs"/>
+              </a:defRPr>
+            </a:lvl3pPr>
+            <a:lvl4pPr algn="l" rtl="1" eaLnBrk="1" fontAlgn="base" hangingPunct="1">
+              <a:spcBef>
+                <a:spcPct val="0"/>
+              </a:spcBef>
+              <a:spcAft>
+                <a:spcPct val="0"/>
+              </a:spcAft>
+              <a:buClr>
+                <a:schemeClr val="tx1"/>
+              </a:buClr>
+              <a:defRPr sz="8600">
+                <a:solidFill>
+                  <a:schemeClr val="dk1"/>
+                </a:solidFill>
+                <a:latin typeface="+mn-lt"/>
+                <a:ea typeface="+mn-ea"/>
+                <a:cs typeface="+mn-cs"/>
+              </a:defRPr>
+            </a:lvl4pPr>
+            <a:lvl5pPr algn="l" rtl="1" eaLnBrk="1" fontAlgn="base" hangingPunct="1">
+              <a:spcBef>
+                <a:spcPct val="0"/>
+              </a:spcBef>
+              <a:spcAft>
+                <a:spcPct val="0"/>
+              </a:spcAft>
+              <a:buClr>
+                <a:schemeClr val="tx1"/>
+              </a:buClr>
+              <a:defRPr sz="8600">
+                <a:solidFill>
+                  <a:schemeClr val="dk1"/>
+                </a:solidFill>
+                <a:latin typeface="+mn-lt"/>
+                <a:ea typeface="+mn-ea"/>
+                <a:cs typeface="+mn-cs"/>
+              </a:defRPr>
+            </a:lvl5pPr>
+            <a:lvl6pPr marL="1234440" algn="l" rtl="1" eaLnBrk="1" fontAlgn="base" hangingPunct="1">
+              <a:spcBef>
+                <a:spcPct val="0"/>
+              </a:spcBef>
+              <a:spcAft>
+                <a:spcPct val="0"/>
+              </a:spcAft>
+              <a:buClr>
+                <a:schemeClr val="tx1"/>
+              </a:buClr>
+              <a:defRPr sz="8600">
+                <a:solidFill>
+                  <a:schemeClr val="dk1"/>
+                </a:solidFill>
+                <a:latin typeface="+mn-lt"/>
+                <a:ea typeface="+mn-ea"/>
+                <a:cs typeface="+mn-cs"/>
+              </a:defRPr>
+            </a:lvl6pPr>
+            <a:lvl7pPr marL="2468880" algn="l" rtl="1" eaLnBrk="1" fontAlgn="base" hangingPunct="1">
+              <a:spcBef>
+                <a:spcPct val="0"/>
+              </a:spcBef>
+              <a:spcAft>
+                <a:spcPct val="0"/>
+              </a:spcAft>
+              <a:buClr>
+                <a:schemeClr val="tx1"/>
+              </a:buClr>
+              <a:defRPr sz="8600">
+                <a:solidFill>
+                  <a:schemeClr val="dk1"/>
+                </a:solidFill>
+                <a:latin typeface="+mn-lt"/>
+                <a:ea typeface="+mn-ea"/>
+                <a:cs typeface="+mn-cs"/>
+              </a:defRPr>
+            </a:lvl7pPr>
+            <a:lvl8pPr marL="3703320" algn="l" rtl="1" eaLnBrk="1" fontAlgn="base" hangingPunct="1">
+              <a:spcBef>
+                <a:spcPct val="0"/>
+              </a:spcBef>
+              <a:spcAft>
+                <a:spcPct val="0"/>
+              </a:spcAft>
+              <a:buClr>
+                <a:schemeClr val="tx1"/>
+              </a:buClr>
+              <a:defRPr sz="8600">
+                <a:solidFill>
+                  <a:schemeClr val="dk1"/>
+                </a:solidFill>
+                <a:latin typeface="+mn-lt"/>
+                <a:ea typeface="+mn-ea"/>
+                <a:cs typeface="+mn-cs"/>
+              </a:defRPr>
+            </a:lvl8pPr>
+            <a:lvl9pPr marL="4937760" algn="l" rtl="1" eaLnBrk="1" fontAlgn="base" hangingPunct="1">
+              <a:spcBef>
+                <a:spcPct val="0"/>
+              </a:spcBef>
+              <a:spcAft>
+                <a:spcPct val="0"/>
+              </a:spcAft>
+              <a:buClr>
+                <a:schemeClr val="tx1"/>
+              </a:buClr>
+              <a:defRPr sz="8600">
+                <a:solidFill>
+                  <a:schemeClr val="dk1"/>
+                </a:solidFill>
+                <a:latin typeface="+mn-lt"/>
+                <a:ea typeface="+mn-ea"/>
+                <a:cs typeface="+mn-cs"/>
+              </a:defRPr>
+            </a:lvl9pPr>
+          </a:lstStyle>
+          <a:p>
+            <a:pPr algn="ctr"/>
+            <a:r>
+              <a:rPr lang="he-IL" sz="5400" b="1" kern="0" dirty="0" smtClean="0">
+                <a:solidFill>
+                  <a:schemeClr val="tx1"/>
+                </a:solidFill>
+                <a:latin typeface="Times New Roman" panose="02020603050405020304" pitchFamily="18" charset="0"/>
+                <a:cs typeface="Times New Roman" panose="02020603050405020304" pitchFamily="18" charset="0"/>
+              </a:rPr>
+              <a:t>הבעיה: מציאת מיקום של מחרוזות קצרות, המכילות טעויות על פני מחרוזת ארוכה וקבועה.</a:t>
+            </a:r>
+            <a:endParaRPr lang="he-IL" altLang="he-IL" sz="5400" kern="0" dirty="0">
+              <a:latin typeface="Times New Roman" panose="02020603050405020304" pitchFamily="18" charset="0"/>
+              <a:cs typeface="Times New Roman" panose="02020603050405020304" pitchFamily="18" charset="0"/>
+            </a:endParaRPr>
+          </a:p>
+        </p:txBody>
+      </p:sp>
     </p:spTree>
   </p:cSld>
   <p:clrMapOvr>
@@ -10950,813 +10414,6 @@
         <p:cTn id="1" dur="indefinite" restart="never" nodeType="tmRoot"/>
       </p:par>
     </p:tnLst>
-  </p:timing>
-</p:sld>
-</file>
-
-<file path=ppt/slides/slide2.xml><?xml version="1.0" encoding="utf-8"?>
-<p:sld xmlns:a="http://schemas.openxmlformats.org/drawingml/2006/main" xmlns:r="http://schemas.openxmlformats.org/officeDocument/2006/relationships" xmlns:p="http://schemas.openxmlformats.org/presentationml/2006/main">
-  <p:cSld>
-    <p:spTree>
-      <p:nvGrpSpPr>
-        <p:cNvPr id="1" name=""/>
-        <p:cNvGrpSpPr/>
-        <p:nvPr/>
-      </p:nvGrpSpPr>
-      <p:grpSpPr>
-        <a:xfrm>
-          <a:off x="0" y="0"/>
-          <a:ext cx="0" cy="0"/>
-          <a:chOff x="0" y="0"/>
-          <a:chExt cx="0" cy="0"/>
-        </a:xfrm>
-      </p:grpSpPr>
-      <p:sp>
-        <p:nvSpPr>
-          <p:cNvPr id="54274" name="Rectangle 2"/>
-          <p:cNvSpPr>
-            <a:spLocks noGrp="1" noChangeArrowheads="1"/>
-          </p:cNvSpPr>
-          <p:nvPr>
-            <p:ph type="title"/>
-          </p:nvPr>
-        </p:nvSpPr>
-        <p:spPr>
-          <a:xfrm>
-            <a:off x="5322541" y="1009295"/>
-            <a:ext cx="12435929" cy="3124139"/>
-          </a:xfrm>
-        </p:spPr>
-        <p:txBody>
-          <a:bodyPr/>
-          <a:lstStyle/>
-          <a:p>
-            <a:pPr lvl="0" algn="r"/>
-            <a:r>
-              <a:rPr lang="he-IL" b="1" dirty="0">
-                <a:solidFill>
-                  <a:schemeClr val="tx1"/>
-                </a:solidFill>
-                <a:latin typeface="+mj-lt"/>
-                <a:ea typeface="+mj-ea"/>
-                <a:cs typeface="+mj-cs"/>
-              </a:rPr>
-              <a:t>תיאור מסגרת הפרויקט</a:t>
-            </a:r>
-            <a:r>
-              <a:rPr lang="en-US" b="1" dirty="0">
-                <a:solidFill>
-                  <a:schemeClr val="tx1"/>
-                </a:solidFill>
-                <a:latin typeface="+mj-lt"/>
-                <a:ea typeface="+mj-ea"/>
-                <a:cs typeface="+mj-cs"/>
-              </a:rPr>
-              <a:t/>
-            </a:r>
-            <a:br>
-              <a:rPr lang="en-US" b="1" dirty="0">
-                <a:solidFill>
-                  <a:schemeClr val="tx1"/>
-                </a:solidFill>
-                <a:latin typeface="+mj-lt"/>
-                <a:ea typeface="+mj-ea"/>
-                <a:cs typeface="+mj-cs"/>
-              </a:rPr>
-            </a:br>
-            <a:endParaRPr lang="he-IL" altLang="he-IL" dirty="0"/>
-          </a:p>
-        </p:txBody>
-      </p:sp>
-      <p:sp>
-        <p:nvSpPr>
-          <p:cNvPr id="54275" name="Rectangle 3"/>
-          <p:cNvSpPr>
-            <a:spLocks noGrp="1" noChangeArrowheads="1"/>
-          </p:cNvSpPr>
-          <p:nvPr>
-            <p:ph type="body" idx="1"/>
-          </p:nvPr>
-        </p:nvSpPr>
-        <p:spPr>
-          <a:xfrm>
-            <a:off x="4606386" y="2810287"/>
-            <a:ext cx="13372219" cy="21170352"/>
-          </a:xfrm>
-        </p:spPr>
-        <p:txBody>
-          <a:bodyPr/>
-          <a:lstStyle/>
-          <a:p>
-            <a:pPr marL="0" indent="0">
-              <a:buNone/>
-            </a:pPr>
-            <a:r>
-              <a:rPr lang="he-IL" altLang="he-IL" sz="8600" dirty="0"/>
-              <a:t>קצת רקע על </a:t>
-            </a:r>
-            <a:r>
-              <a:rPr lang="en-US" altLang="he-IL" sz="8600" dirty="0"/>
-              <a:t>DNA</a:t>
-            </a:r>
-            <a:r>
-              <a:rPr lang="he-IL" altLang="he-IL" sz="8600" dirty="0"/>
-              <a:t>:</a:t>
-            </a:r>
-          </a:p>
-          <a:p>
-            <a:pPr>
-              <a:lnSpc>
-                <a:spcPct val="150000"/>
-              </a:lnSpc>
-            </a:pPr>
-            <a:r>
-              <a:rPr lang="he-IL" sz="5400" kern="1200" dirty="0">
-                <a:latin typeface="Arial" pitchFamily="34" charset="0"/>
-              </a:rPr>
-              <a:t>ב </a:t>
-            </a:r>
-            <a:r>
-              <a:rPr lang="en-US" sz="5400" kern="1200" dirty="0">
-                <a:latin typeface="Arial" pitchFamily="34" charset="0"/>
-              </a:rPr>
-              <a:t>DNA</a:t>
-            </a:r>
-            <a:r>
-              <a:rPr lang="he-IL" sz="5400" kern="1200" dirty="0">
-                <a:latin typeface="Arial" pitchFamily="34" charset="0"/>
-              </a:rPr>
-              <a:t> מצוי </a:t>
-            </a:r>
-            <a:r>
-              <a:rPr lang="he-IL" sz="5400" kern="1200" dirty="0">
-                <a:latin typeface="Arial" pitchFamily="34" charset="0"/>
-              </a:rPr>
-              <a:t>כל המידע התורשתי לבניית החלבונים בתא אצל כל האורגניזמים הידועים, מחיידקים ועד לבני אדם</a:t>
-            </a:r>
-            <a:r>
-              <a:rPr lang="he-IL" sz="5400" kern="1200" dirty="0">
-                <a:latin typeface="Arial" pitchFamily="34" charset="0"/>
-              </a:rPr>
-              <a:t>.</a:t>
-            </a:r>
-          </a:p>
-          <a:p>
-            <a:pPr>
-              <a:lnSpc>
-                <a:spcPct val="150000"/>
-              </a:lnSpc>
-            </a:pPr>
-            <a:r>
-              <a:rPr lang="he-IL" sz="5400" dirty="0"/>
-              <a:t>המבנה של ה</a:t>
-            </a:r>
-            <a:r>
-              <a:rPr lang="en-US" sz="5400" dirty="0"/>
-              <a:t>DNA </a:t>
-            </a:r>
-            <a:r>
-              <a:rPr lang="he-IL" sz="5400" dirty="0"/>
-              <a:t> בנוי כמעיין "סולם" שמסתלסל סביב </a:t>
-            </a:r>
-            <a:r>
-              <a:rPr lang="he-IL" sz="5400" dirty="0"/>
-              <a:t>עצמו.</a:t>
-            </a:r>
-          </a:p>
-          <a:p>
-            <a:pPr>
-              <a:lnSpc>
-                <a:spcPct val="150000"/>
-              </a:lnSpc>
-            </a:pPr>
-            <a:r>
-              <a:rPr lang="he-IL" sz="5400" dirty="0"/>
-              <a:t>ה"שלבים בסולם</a:t>
-            </a:r>
-            <a:r>
-              <a:rPr lang="he-IL" sz="5400" dirty="0"/>
-              <a:t>" </a:t>
-            </a:r>
-            <a:r>
-              <a:rPr lang="he-IL" sz="5400" dirty="0"/>
-              <a:t>מורכבים, כל אחד, מזוג בסיסים המתחברים זה לזה ומסומנים באותיות הלטיניות </a:t>
-            </a:r>
-            <a:r>
-              <a:rPr lang="en-US" sz="5400" dirty="0"/>
-              <a:t>A</a:t>
-            </a:r>
-            <a:r>
-              <a:rPr lang="he-IL" sz="5400" dirty="0"/>
-              <a:t>, </a:t>
-            </a:r>
-            <a:r>
-              <a:rPr lang="en-US" sz="5400" dirty="0"/>
-              <a:t>G</a:t>
-            </a:r>
-            <a:r>
-              <a:rPr lang="he-IL" sz="5400" dirty="0"/>
-              <a:t>, </a:t>
-            </a:r>
-            <a:r>
-              <a:rPr lang="en-US" sz="5400" dirty="0"/>
-              <a:t>T</a:t>
-            </a:r>
-            <a:r>
-              <a:rPr lang="he-IL" sz="5400" dirty="0"/>
-              <a:t>, </a:t>
-            </a:r>
-            <a:r>
-              <a:rPr lang="en-US" sz="5400" dirty="0"/>
-              <a:t>C</a:t>
-            </a:r>
-            <a:r>
-              <a:rPr lang="he-IL" sz="5400" dirty="0"/>
-              <a:t>.</a:t>
-            </a:r>
-          </a:p>
-          <a:p>
-            <a:pPr>
-              <a:lnSpc>
-                <a:spcPct val="150000"/>
-              </a:lnSpc>
-            </a:pPr>
-            <a:r>
-              <a:rPr lang="he-IL" sz="5400" kern="1200" dirty="0">
-                <a:latin typeface="Arial" pitchFamily="34" charset="0"/>
-              </a:rPr>
-              <a:t>כ99.9% מה</a:t>
-            </a:r>
-            <a:r>
-              <a:rPr lang="en-US" sz="5400" kern="1200" dirty="0">
-                <a:latin typeface="Arial" pitchFamily="34" charset="0"/>
-              </a:rPr>
-              <a:t>DNA</a:t>
-            </a:r>
-            <a:r>
-              <a:rPr lang="he-IL" sz="5400" kern="1200" dirty="0">
-                <a:latin typeface="Arial" pitchFamily="34" charset="0"/>
-              </a:rPr>
-              <a:t> של כל בני האדם משותף למרות אבני הבניין המועטות והפשוטות שממנו הוא מורכב.</a:t>
-            </a:r>
-          </a:p>
-          <a:p>
-            <a:pPr>
-              <a:lnSpc>
-                <a:spcPct val="150000"/>
-              </a:lnSpc>
-            </a:pPr>
-            <a:r>
-              <a:rPr lang="he-IL" sz="5400" dirty="0"/>
-              <a:t>ה </a:t>
-            </a:r>
-            <a:r>
-              <a:rPr lang="en-US" sz="5400" dirty="0"/>
-              <a:t>DNA</a:t>
-            </a:r>
-            <a:r>
-              <a:rPr lang="he-IL" sz="5400" dirty="0"/>
-              <a:t> יכול לעבור </a:t>
-            </a:r>
-            <a:r>
-              <a:rPr lang="he-IL" sz="5400" dirty="0"/>
-              <a:t>מוטציה - </a:t>
-            </a:r>
-            <a:r>
-              <a:rPr lang="he-IL" sz="5400" dirty="0"/>
-              <a:t>שינוי</a:t>
-            </a:r>
-            <a:r>
-              <a:rPr lang="he-IL" sz="5400" dirty="0"/>
-              <a:t>.</a:t>
-            </a:r>
-            <a:endParaRPr lang="he-IL" altLang="he-IL" dirty="0"/>
-          </a:p>
-        </p:txBody>
-      </p:sp>
-      <p:pic>
-        <p:nvPicPr>
-          <p:cNvPr id="6" name="Picture 5" descr="http://upload.wikimedia.org/wikipedia/commons/8/81/ADN_animation.gif"/>
-          <p:cNvPicPr/>
-          <p:nvPr/>
-        </p:nvPicPr>
-        <p:blipFill>
-          <a:blip r:embed="rId3" cstate="print">
-            <a:extLst>
-              <a:ext uri="{28A0092B-C50C-407E-A947-70E740481C1C}">
-                <a14:useLocalDpi xmlns:a14="http://schemas.microsoft.com/office/drawing/2010/main" val="0"/>
-              </a:ext>
-            </a:extLst>
-          </a:blip>
-          <a:srcRect/>
-          <a:stretch>
-            <a:fillRect/>
-          </a:stretch>
-        </p:blipFill>
-        <p:spPr bwMode="auto">
-          <a:xfrm>
-            <a:off x="778713" y="3604175"/>
-            <a:ext cx="2254031" cy="7280910"/>
-          </a:xfrm>
-          <a:prstGeom prst="rect">
-            <a:avLst/>
-          </a:prstGeom>
-          <a:noFill/>
-          <a:ln>
-            <a:noFill/>
-          </a:ln>
-        </p:spPr>
-      </p:pic>
-      <p:pic>
-        <p:nvPicPr>
-          <p:cNvPr id="7" name="Picture 6" descr="https://ferraribiblog.files.wordpress.com/2012/10/dna_structure.jpg?w=300&amp;h=255"/>
-          <p:cNvPicPr/>
-          <p:nvPr/>
-        </p:nvPicPr>
-        <p:blipFill>
-          <a:blip r:embed="rId4" cstate="print">
-            <a:extLst>
-              <a:ext uri="{28A0092B-C50C-407E-A947-70E740481C1C}">
-                <a14:useLocalDpi xmlns:a14="http://schemas.microsoft.com/office/drawing/2010/main" val="0"/>
-              </a:ext>
-            </a:extLst>
-          </a:blip>
-          <a:srcRect/>
-          <a:stretch>
-            <a:fillRect/>
-          </a:stretch>
-        </p:blipFill>
-        <p:spPr bwMode="auto">
-          <a:xfrm>
-            <a:off x="1" y="11278431"/>
-            <a:ext cx="4369296" cy="6321790"/>
-          </a:xfrm>
-          <a:prstGeom prst="rect">
-            <a:avLst/>
-          </a:prstGeom>
-          <a:noFill/>
-          <a:ln>
-            <a:noFill/>
-          </a:ln>
-        </p:spPr>
-      </p:pic>
-    </p:spTree>
-  </p:cSld>
-  <p:clrMapOvr>
-    <a:masterClrMapping/>
-  </p:clrMapOvr>
-  <p:timing>
-    <p:tnLst>
-      <p:par>
-        <p:cTn id="1" dur="indefinite" restart="never" nodeType="tmRoot">
-          <p:childTnLst>
-            <p:seq concurrent="1" nextAc="seek">
-              <p:cTn id="2" dur="indefinite" nodeType="mainSeq">
-                <p:childTnLst>
-                  <p:par>
-                    <p:cTn id="3" fill="hold">
-                      <p:stCondLst>
-                        <p:cond delay="indefinite"/>
-                      </p:stCondLst>
-                      <p:childTnLst>
-                        <p:par>
-                          <p:cTn id="4" fill="hold">
-                            <p:stCondLst>
-                              <p:cond delay="0"/>
-                            </p:stCondLst>
-                            <p:childTnLst>
-                              <p:par>
-                                <p:cTn id="5" presetID="10" presetClass="entr" presetSubtype="0" fill="hold" grpId="0" nodeType="clickEffect">
-                                  <p:stCondLst>
-                                    <p:cond delay="0"/>
-                                  </p:stCondLst>
-                                  <p:childTnLst>
-                                    <p:set>
-                                      <p:cBhvr>
-                                        <p:cTn id="6" dur="1" fill="hold">
-                                          <p:stCondLst>
-                                            <p:cond delay="0"/>
-                                          </p:stCondLst>
-                                        </p:cTn>
-                                        <p:tgtEl>
-                                          <p:spTgt spid="54275">
-                                            <p:txEl>
-                                              <p:pRg st="0" end="0"/>
-                                            </p:txEl>
-                                          </p:spTgt>
-                                        </p:tgtEl>
-                                        <p:attrNameLst>
-                                          <p:attrName>style.visibility</p:attrName>
-                                        </p:attrNameLst>
-                                      </p:cBhvr>
-                                      <p:to>
-                                        <p:strVal val="visible"/>
-                                      </p:to>
-                                    </p:set>
-                                    <p:animEffect transition="in" filter="fade">
-                                      <p:cBhvr>
-                                        <p:cTn id="7" dur="500"/>
-                                        <p:tgtEl>
-                                          <p:spTgt spid="54275">
-                                            <p:txEl>
-                                              <p:pRg st="0" end="0"/>
-                                            </p:txEl>
-                                          </p:spTgt>
-                                        </p:tgtEl>
-                                      </p:cBhvr>
-                                    </p:animEffect>
-                                  </p:childTnLst>
-                                </p:cTn>
-                              </p:par>
-                            </p:childTnLst>
-                          </p:cTn>
-                        </p:par>
-                      </p:childTnLst>
-                    </p:cTn>
-                  </p:par>
-                  <p:par>
-                    <p:cTn id="8" fill="hold">
-                      <p:stCondLst>
-                        <p:cond delay="indefinite"/>
-                      </p:stCondLst>
-                      <p:childTnLst>
-                        <p:par>
-                          <p:cTn id="9" fill="hold">
-                            <p:stCondLst>
-                              <p:cond delay="0"/>
-                            </p:stCondLst>
-                            <p:childTnLst>
-                              <p:par>
-                                <p:cTn id="10" presetID="10" presetClass="entr" presetSubtype="0" fill="hold" grpId="0" nodeType="clickEffect">
-                                  <p:stCondLst>
-                                    <p:cond delay="0"/>
-                                  </p:stCondLst>
-                                  <p:childTnLst>
-                                    <p:set>
-                                      <p:cBhvr>
-                                        <p:cTn id="11" dur="1" fill="hold">
-                                          <p:stCondLst>
-                                            <p:cond delay="0"/>
-                                          </p:stCondLst>
-                                        </p:cTn>
-                                        <p:tgtEl>
-                                          <p:spTgt spid="54275">
-                                            <p:txEl>
-                                              <p:pRg st="1" end="1"/>
-                                            </p:txEl>
-                                          </p:spTgt>
-                                        </p:tgtEl>
-                                        <p:attrNameLst>
-                                          <p:attrName>style.visibility</p:attrName>
-                                        </p:attrNameLst>
-                                      </p:cBhvr>
-                                      <p:to>
-                                        <p:strVal val="visible"/>
-                                      </p:to>
-                                    </p:set>
-                                    <p:animEffect transition="in" filter="fade">
-                                      <p:cBhvr>
-                                        <p:cTn id="12" dur="500"/>
-                                        <p:tgtEl>
-                                          <p:spTgt spid="54275">
-                                            <p:txEl>
-                                              <p:pRg st="1" end="1"/>
-                                            </p:txEl>
-                                          </p:spTgt>
-                                        </p:tgtEl>
-                                      </p:cBhvr>
-                                    </p:animEffect>
-                                  </p:childTnLst>
-                                </p:cTn>
-                              </p:par>
-                            </p:childTnLst>
-                          </p:cTn>
-                        </p:par>
-                      </p:childTnLst>
-                    </p:cTn>
-                  </p:par>
-                  <p:par>
-                    <p:cTn id="13" fill="hold">
-                      <p:stCondLst>
-                        <p:cond delay="indefinite"/>
-                      </p:stCondLst>
-                      <p:childTnLst>
-                        <p:par>
-                          <p:cTn id="14" fill="hold">
-                            <p:stCondLst>
-                              <p:cond delay="0"/>
-                            </p:stCondLst>
-                            <p:childTnLst>
-                              <p:par>
-                                <p:cTn id="15" presetID="10" presetClass="entr" presetSubtype="0" fill="hold" grpId="0" nodeType="clickEffect">
-                                  <p:stCondLst>
-                                    <p:cond delay="0"/>
-                                  </p:stCondLst>
-                                  <p:childTnLst>
-                                    <p:set>
-                                      <p:cBhvr>
-                                        <p:cTn id="16" dur="1" fill="hold">
-                                          <p:stCondLst>
-                                            <p:cond delay="0"/>
-                                          </p:stCondLst>
-                                        </p:cTn>
-                                        <p:tgtEl>
-                                          <p:spTgt spid="54275">
-                                            <p:txEl>
-                                              <p:pRg st="2" end="2"/>
-                                            </p:txEl>
-                                          </p:spTgt>
-                                        </p:tgtEl>
-                                        <p:attrNameLst>
-                                          <p:attrName>style.visibility</p:attrName>
-                                        </p:attrNameLst>
-                                      </p:cBhvr>
-                                      <p:to>
-                                        <p:strVal val="visible"/>
-                                      </p:to>
-                                    </p:set>
-                                    <p:animEffect transition="in" filter="fade">
-                                      <p:cBhvr>
-                                        <p:cTn id="17" dur="500"/>
-                                        <p:tgtEl>
-                                          <p:spTgt spid="54275">
-                                            <p:txEl>
-                                              <p:pRg st="2" end="2"/>
-                                            </p:txEl>
-                                          </p:spTgt>
-                                        </p:tgtEl>
-                                      </p:cBhvr>
-                                    </p:animEffect>
-                                  </p:childTnLst>
-                                </p:cTn>
-                              </p:par>
-                              <p:par>
-                                <p:cTn id="18" presetID="1" presetClass="entr" presetSubtype="0" fill="hold" nodeType="withEffect">
-                                  <p:stCondLst>
-                                    <p:cond delay="0"/>
-                                  </p:stCondLst>
-                                  <p:childTnLst>
-                                    <p:set>
-                                      <p:cBhvr>
-                                        <p:cTn id="19" dur="1" fill="hold">
-                                          <p:stCondLst>
-                                            <p:cond delay="0"/>
-                                          </p:stCondLst>
-                                        </p:cTn>
-                                        <p:tgtEl>
-                                          <p:spTgt spid="6"/>
-                                        </p:tgtEl>
-                                        <p:attrNameLst>
-                                          <p:attrName>style.visibility</p:attrName>
-                                        </p:attrNameLst>
-                                      </p:cBhvr>
-                                      <p:to>
-                                        <p:strVal val="visible"/>
-                                      </p:to>
-                                    </p:set>
-                                  </p:childTnLst>
-                                </p:cTn>
-                              </p:par>
-                            </p:childTnLst>
-                          </p:cTn>
-                        </p:par>
-                      </p:childTnLst>
-                    </p:cTn>
-                  </p:par>
-                  <p:par>
-                    <p:cTn id="20" fill="hold">
-                      <p:stCondLst>
-                        <p:cond delay="indefinite"/>
-                      </p:stCondLst>
-                      <p:childTnLst>
-                        <p:par>
-                          <p:cTn id="21" fill="hold">
-                            <p:stCondLst>
-                              <p:cond delay="0"/>
-                            </p:stCondLst>
-                            <p:childTnLst>
-                              <p:par>
-                                <p:cTn id="22" presetID="10" presetClass="entr" presetSubtype="0" fill="hold" grpId="0" nodeType="clickEffect">
-                                  <p:stCondLst>
-                                    <p:cond delay="0"/>
-                                  </p:stCondLst>
-                                  <p:childTnLst>
-                                    <p:set>
-                                      <p:cBhvr>
-                                        <p:cTn id="23" dur="1" fill="hold">
-                                          <p:stCondLst>
-                                            <p:cond delay="0"/>
-                                          </p:stCondLst>
-                                        </p:cTn>
-                                        <p:tgtEl>
-                                          <p:spTgt spid="54275">
-                                            <p:txEl>
-                                              <p:pRg st="3" end="3"/>
-                                            </p:txEl>
-                                          </p:spTgt>
-                                        </p:tgtEl>
-                                        <p:attrNameLst>
-                                          <p:attrName>style.visibility</p:attrName>
-                                        </p:attrNameLst>
-                                      </p:cBhvr>
-                                      <p:to>
-                                        <p:strVal val="visible"/>
-                                      </p:to>
-                                    </p:set>
-                                    <p:animEffect transition="in" filter="fade">
-                                      <p:cBhvr>
-                                        <p:cTn id="24" dur="500"/>
-                                        <p:tgtEl>
-                                          <p:spTgt spid="54275">
-                                            <p:txEl>
-                                              <p:pRg st="3" end="3"/>
-                                            </p:txEl>
-                                          </p:spTgt>
-                                        </p:tgtEl>
-                                      </p:cBhvr>
-                                    </p:animEffect>
-                                  </p:childTnLst>
-                                </p:cTn>
-                              </p:par>
-                              <p:par>
-                                <p:cTn id="25" presetID="1" presetClass="entr" presetSubtype="0" fill="hold" nodeType="withEffect">
-                                  <p:stCondLst>
-                                    <p:cond delay="0"/>
-                                  </p:stCondLst>
-                                  <p:childTnLst>
-                                    <p:set>
-                                      <p:cBhvr>
-                                        <p:cTn id="26" dur="1" fill="hold">
-                                          <p:stCondLst>
-                                            <p:cond delay="0"/>
-                                          </p:stCondLst>
-                                        </p:cTn>
-                                        <p:tgtEl>
-                                          <p:spTgt spid="7"/>
-                                        </p:tgtEl>
-                                        <p:attrNameLst>
-                                          <p:attrName>style.visibility</p:attrName>
-                                        </p:attrNameLst>
-                                      </p:cBhvr>
-                                      <p:to>
-                                        <p:strVal val="visible"/>
-                                      </p:to>
-                                    </p:set>
-                                  </p:childTnLst>
-                                </p:cTn>
-                              </p:par>
-                            </p:childTnLst>
-                          </p:cTn>
-                        </p:par>
-                      </p:childTnLst>
-                    </p:cTn>
-                  </p:par>
-                  <p:par>
-                    <p:cTn id="27" fill="hold">
-                      <p:stCondLst>
-                        <p:cond delay="indefinite"/>
-                      </p:stCondLst>
-                      <p:childTnLst>
-                        <p:par>
-                          <p:cTn id="28" fill="hold">
-                            <p:stCondLst>
-                              <p:cond delay="0"/>
-                            </p:stCondLst>
-                            <p:childTnLst>
-                              <p:par>
-                                <p:cTn id="29" presetID="10" presetClass="entr" presetSubtype="0" fill="hold" grpId="0" nodeType="clickEffect">
-                                  <p:stCondLst>
-                                    <p:cond delay="0"/>
-                                  </p:stCondLst>
-                                  <p:childTnLst>
-                                    <p:set>
-                                      <p:cBhvr>
-                                        <p:cTn id="30" dur="1" fill="hold">
-                                          <p:stCondLst>
-                                            <p:cond delay="0"/>
-                                          </p:stCondLst>
-                                        </p:cTn>
-                                        <p:tgtEl>
-                                          <p:spTgt spid="54275">
-                                            <p:txEl>
-                                              <p:pRg st="4" end="4"/>
-                                            </p:txEl>
-                                          </p:spTgt>
-                                        </p:tgtEl>
-                                        <p:attrNameLst>
-                                          <p:attrName>style.visibility</p:attrName>
-                                        </p:attrNameLst>
-                                      </p:cBhvr>
-                                      <p:to>
-                                        <p:strVal val="visible"/>
-                                      </p:to>
-                                    </p:set>
-                                    <p:animEffect transition="in" filter="fade">
-                                      <p:cBhvr>
-                                        <p:cTn id="31" dur="500"/>
-                                        <p:tgtEl>
-                                          <p:spTgt spid="54275">
-                                            <p:txEl>
-                                              <p:pRg st="4" end="4"/>
-                                            </p:txEl>
-                                          </p:spTgt>
-                                        </p:tgtEl>
-                                      </p:cBhvr>
-                                    </p:animEffect>
-                                  </p:childTnLst>
-                                </p:cTn>
-                              </p:par>
-                            </p:childTnLst>
-                          </p:cTn>
-                        </p:par>
-                      </p:childTnLst>
-                    </p:cTn>
-                  </p:par>
-                  <p:par>
-                    <p:cTn id="32" fill="hold">
-                      <p:stCondLst>
-                        <p:cond delay="indefinite"/>
-                      </p:stCondLst>
-                      <p:childTnLst>
-                        <p:par>
-                          <p:cTn id="33" fill="hold">
-                            <p:stCondLst>
-                              <p:cond delay="0"/>
-                            </p:stCondLst>
-                            <p:childTnLst>
-                              <p:par>
-                                <p:cTn id="34" presetID="10" presetClass="entr" presetSubtype="0" fill="hold" grpId="0" nodeType="clickEffect">
-                                  <p:stCondLst>
-                                    <p:cond delay="0"/>
-                                  </p:stCondLst>
-                                  <p:childTnLst>
-                                    <p:set>
-                                      <p:cBhvr>
-                                        <p:cTn id="35" dur="1" fill="hold">
-                                          <p:stCondLst>
-                                            <p:cond delay="0"/>
-                                          </p:stCondLst>
-                                        </p:cTn>
-                                        <p:tgtEl>
-                                          <p:spTgt spid="54275">
-                                            <p:txEl>
-                                              <p:pRg st="5" end="5"/>
-                                            </p:txEl>
-                                          </p:spTgt>
-                                        </p:tgtEl>
-                                        <p:attrNameLst>
-                                          <p:attrName>style.visibility</p:attrName>
-                                        </p:attrNameLst>
-                                      </p:cBhvr>
-                                      <p:to>
-                                        <p:strVal val="visible"/>
-                                      </p:to>
-                                    </p:set>
-                                    <p:animEffect transition="in" filter="fade">
-                                      <p:cBhvr>
-                                        <p:cTn id="36" dur="500"/>
-                                        <p:tgtEl>
-                                          <p:spTgt spid="54275">
-                                            <p:txEl>
-                                              <p:pRg st="5" end="5"/>
-                                            </p:txEl>
-                                          </p:spTgt>
-                                        </p:tgtEl>
-                                      </p:cBhvr>
-                                    </p:animEffect>
-                                  </p:childTnLst>
-                                </p:cTn>
-                              </p:par>
-                            </p:childTnLst>
-                          </p:cTn>
-                        </p:par>
-                      </p:childTnLst>
-                    </p:cTn>
-                  </p:par>
-                </p:childTnLst>
-              </p:cTn>
-              <p:prevCondLst>
-                <p:cond evt="onPrev" delay="0">
-                  <p:tgtEl>
-                    <p:sldTgt/>
-                  </p:tgtEl>
-                </p:cond>
-              </p:prevCondLst>
-              <p:nextCondLst>
-                <p:cond evt="onNext" delay="0">
-                  <p:tgtEl>
-                    <p:sldTgt/>
-                  </p:tgtEl>
-                </p:cond>
-              </p:nextCondLst>
-            </p:seq>
-          </p:childTnLst>
-        </p:cTn>
-      </p:par>
-    </p:tnLst>
-    <p:bldLst>
-      <p:bldP spid="54275" grpId="0" uiExpand="1" build="p"/>
-    </p:bldLst>
   </p:timing>
 </p:sld>
 </file>
